--- a/Turkish/Neden Epic - BTC karşılaştırması v06.pptx
+++ b/Turkish/Neden Epic - BTC karşılaştırması v06.pptx
@@ -106,7 +106,7 @@
   </p:defaultTextStyle>
   <p:extLst>
     <p:ext uri="{EFAFB233-063F-42B5-8137-9DF3F51BA10A}">
-      <p15:sldGuideLst xmlns="" xmlns:p15="http://schemas.microsoft.com/office/powerpoint/2012/main">
+      <p15:sldGuideLst xmlns:p15="http://schemas.microsoft.com/office/powerpoint/2012/main" xmlns="">
         <p15:guide id="1" orient="horz" pos="2880" userDrawn="1">
           <p15:clr>
             <a:srgbClr val="A4A3A4"/>
@@ -2967,7 +2967,7 @@
   </p:txStyles>
   <p:extLst>
     <p:ext uri="{27BBF7A9-308A-43DC-89C8-2F10F3537804}">
-      <p15:sldGuideLst xmlns="" xmlns:p15="http://schemas.microsoft.com/office/powerpoint/2012/main">
+      <p15:sldGuideLst xmlns:p15="http://schemas.microsoft.com/office/powerpoint/2012/main" xmlns="">
         <p15:guide id="1" pos="414" userDrawn="1">
           <p15:clr>
             <a:srgbClr val="F26B43"/>
@@ -3027,7 +3027,7 @@
           <p:cNvPr id="3" name="Rectangle 2">
             <a:extLst>
               <a:ext uri="{FF2B5EF4-FFF2-40B4-BE49-F238E27FC236}">
-                <a16:creationId xmlns="" xmlns:a16="http://schemas.microsoft.com/office/drawing/2014/main" id="{16FEF482-B4B8-934B-B2EE-4709066F5780}"/>
+                <a16:creationId xmlns:a16="http://schemas.microsoft.com/office/drawing/2014/main" xmlns="" id="{16FEF482-B4B8-934B-B2EE-4709066F5780}"/>
               </a:ext>
             </a:extLst>
           </p:cNvPr>
@@ -3079,7 +3079,7 @@
           <p:cNvPr id="2" name="TextBox 1">
             <a:extLst>
               <a:ext uri="{FF2B5EF4-FFF2-40B4-BE49-F238E27FC236}">
-                <a16:creationId xmlns="" xmlns:a16="http://schemas.microsoft.com/office/drawing/2014/main" id="{CB5CB4DB-B270-734E-873D-9C0EA0D37646}"/>
+                <a16:creationId xmlns:a16="http://schemas.microsoft.com/office/drawing/2014/main" xmlns="" id="{CB5CB4DB-B270-734E-873D-9C0EA0D37646}"/>
               </a:ext>
             </a:extLst>
           </p:cNvPr>
@@ -3138,7 +3138,7 @@
           <p:cNvPr id="73" name="Rectangle 72">
             <a:extLst>
               <a:ext uri="{FF2B5EF4-FFF2-40B4-BE49-F238E27FC236}">
-                <a16:creationId xmlns="" xmlns:a16="http://schemas.microsoft.com/office/drawing/2014/main" id="{0A28A327-8ABF-8C42-81C9-50C4C0A307CC}"/>
+                <a16:creationId xmlns:a16="http://schemas.microsoft.com/office/drawing/2014/main" xmlns="" id="{0A28A327-8ABF-8C42-81C9-50C4C0A307CC}"/>
               </a:ext>
             </a:extLst>
           </p:cNvPr>
@@ -3193,7 +3193,7 @@
           <p:cNvPr id="78" name="Rectangle 77">
             <a:extLst>
               <a:ext uri="{FF2B5EF4-FFF2-40B4-BE49-F238E27FC236}">
-                <a16:creationId xmlns="" xmlns:a16="http://schemas.microsoft.com/office/drawing/2014/main" id="{28858569-E5B1-F14E-ADE8-CE5AF52D6867}"/>
+                <a16:creationId xmlns:a16="http://schemas.microsoft.com/office/drawing/2014/main" xmlns="" id="{28858569-E5B1-F14E-ADE8-CE5AF52D6867}"/>
               </a:ext>
             </a:extLst>
           </p:cNvPr>
@@ -3245,7 +3245,7 @@
           <p:cNvPr id="49" name="Graphic 48">
             <a:extLst>
               <a:ext uri="{FF2B5EF4-FFF2-40B4-BE49-F238E27FC236}">
-                <a16:creationId xmlns="" xmlns:a16="http://schemas.microsoft.com/office/drawing/2014/main" id="{2C17CBAF-D139-A348-AEB8-170C0FA99804}"/>
+                <a16:creationId xmlns:a16="http://schemas.microsoft.com/office/drawing/2014/main" xmlns="" id="{2C17CBAF-D139-A348-AEB8-170C0FA99804}"/>
               </a:ext>
             </a:extLst>
           </p:cNvPr>
@@ -3274,7 +3274,7 @@
           <p:cNvPr id="5" name="Picture 4" descr="A picture containing drawing, tableware, plate, cup&#10;&#10;Description automatically generated">
             <a:extLst>
               <a:ext uri="{FF2B5EF4-FFF2-40B4-BE49-F238E27FC236}">
-                <a16:creationId xmlns="" xmlns:a16="http://schemas.microsoft.com/office/drawing/2014/main" id="{C8C75857-687F-EB46-AF24-9C2D0B33DF61}"/>
+                <a16:creationId xmlns:a16="http://schemas.microsoft.com/office/drawing/2014/main" xmlns="" id="{C8C75857-687F-EB46-AF24-9C2D0B33DF61}"/>
               </a:ext>
             </a:extLst>
           </p:cNvPr>
@@ -3304,7 +3304,7 @@
           <p:cNvPr id="6" name="Rectangle 5">
             <a:extLst>
               <a:ext uri="{FF2B5EF4-FFF2-40B4-BE49-F238E27FC236}">
-                <a16:creationId xmlns="" xmlns:a16="http://schemas.microsoft.com/office/drawing/2014/main" id="{6E8C9646-6021-CB41-B21D-01E917441C24}"/>
+                <a16:creationId xmlns:a16="http://schemas.microsoft.com/office/drawing/2014/main" xmlns="" id="{6E8C9646-6021-CB41-B21D-01E917441C24}"/>
               </a:ext>
             </a:extLst>
           </p:cNvPr>
@@ -3358,7 +3358,7 @@
           <p:cNvPr id="25" name="Oval 24">
             <a:extLst>
               <a:ext uri="{FF2B5EF4-FFF2-40B4-BE49-F238E27FC236}">
-                <a16:creationId xmlns="" xmlns:a16="http://schemas.microsoft.com/office/drawing/2014/main" id="{662DC3BC-DB4D-2F48-8F21-7DC8C096DCBE}"/>
+                <a16:creationId xmlns:a16="http://schemas.microsoft.com/office/drawing/2014/main" xmlns="" id="{662DC3BC-DB4D-2F48-8F21-7DC8C096DCBE}"/>
               </a:ext>
             </a:extLst>
           </p:cNvPr>
@@ -3410,7 +3410,7 @@
           <p:cNvPr id="11" name="TextBox 10">
             <a:extLst>
               <a:ext uri="{FF2B5EF4-FFF2-40B4-BE49-F238E27FC236}">
-                <a16:creationId xmlns="" xmlns:a16="http://schemas.microsoft.com/office/drawing/2014/main" id="{58A081FF-D874-274D-B3A8-86AFE358BFC3}"/>
+                <a16:creationId xmlns:a16="http://schemas.microsoft.com/office/drawing/2014/main" xmlns="" id="{58A081FF-D874-274D-B3A8-86AFE358BFC3}"/>
               </a:ext>
             </a:extLst>
           </p:cNvPr>
@@ -3462,7 +3462,7 @@
           <p:cNvPr id="106" name="TextBox 105">
             <a:extLst>
               <a:ext uri="{FF2B5EF4-FFF2-40B4-BE49-F238E27FC236}">
-                <a16:creationId xmlns="" xmlns:a16="http://schemas.microsoft.com/office/drawing/2014/main" id="{0A9F691F-0EEF-D149-8000-38F53D9286C7}"/>
+                <a16:creationId xmlns:a16="http://schemas.microsoft.com/office/drawing/2014/main" xmlns="" id="{0A9F691F-0EEF-D149-8000-38F53D9286C7}"/>
               </a:ext>
             </a:extLst>
           </p:cNvPr>
@@ -3549,7 +3549,7 @@
           <p:cNvPr id="107" name="TextBox 106">
             <a:extLst>
               <a:ext uri="{FF2B5EF4-FFF2-40B4-BE49-F238E27FC236}">
-                <a16:creationId xmlns="" xmlns:a16="http://schemas.microsoft.com/office/drawing/2014/main" id="{63A64469-2FA2-684C-9333-5C9F090BBB46}"/>
+                <a16:creationId xmlns:a16="http://schemas.microsoft.com/office/drawing/2014/main" xmlns="" id="{63A64469-2FA2-684C-9333-5C9F090BBB46}"/>
               </a:ext>
             </a:extLst>
           </p:cNvPr>
@@ -3618,7 +3618,7 @@
           <p:cNvPr id="17" name="TextBox 16">
             <a:extLst>
               <a:ext uri="{FF2B5EF4-FFF2-40B4-BE49-F238E27FC236}">
-                <a16:creationId xmlns="" xmlns:a16="http://schemas.microsoft.com/office/drawing/2014/main" id="{806B3D2A-2573-634E-A9E2-9F49A82A36C9}"/>
+                <a16:creationId xmlns:a16="http://schemas.microsoft.com/office/drawing/2014/main" xmlns="" id="{806B3D2A-2573-634E-A9E2-9F49A82A36C9}"/>
               </a:ext>
             </a:extLst>
           </p:cNvPr>
@@ -3696,7 +3696,7 @@
           <p:cNvPr id="110" name="TextBox 109">
             <a:extLst>
               <a:ext uri="{FF2B5EF4-FFF2-40B4-BE49-F238E27FC236}">
-                <a16:creationId xmlns="" xmlns:a16="http://schemas.microsoft.com/office/drawing/2014/main" id="{2661328C-25E6-324B-8829-E1D872B26B12}"/>
+                <a16:creationId xmlns:a16="http://schemas.microsoft.com/office/drawing/2014/main" xmlns="" id="{2661328C-25E6-324B-8829-E1D872B26B12}"/>
               </a:ext>
             </a:extLst>
           </p:cNvPr>
@@ -3746,7 +3746,7 @@
           <p:cNvPr id="114" name="TextBox 113">
             <a:extLst>
               <a:ext uri="{FF2B5EF4-FFF2-40B4-BE49-F238E27FC236}">
-                <a16:creationId xmlns="" xmlns:a16="http://schemas.microsoft.com/office/drawing/2014/main" id="{C1A7F412-BBED-364C-9DB9-09E7E61429AE}"/>
+                <a16:creationId xmlns:a16="http://schemas.microsoft.com/office/drawing/2014/main" xmlns="" id="{C1A7F412-BBED-364C-9DB9-09E7E61429AE}"/>
               </a:ext>
             </a:extLst>
           </p:cNvPr>
@@ -3834,7 +3834,7 @@
           <p:cNvPr id="123" name="TextBox 122">
             <a:extLst>
               <a:ext uri="{FF2B5EF4-FFF2-40B4-BE49-F238E27FC236}">
-                <a16:creationId xmlns="" xmlns:a16="http://schemas.microsoft.com/office/drawing/2014/main" id="{71494289-7B22-B54F-B22A-0270A0196922}"/>
+                <a16:creationId xmlns:a16="http://schemas.microsoft.com/office/drawing/2014/main" xmlns="" id="{71494289-7B22-B54F-B22A-0270A0196922}"/>
               </a:ext>
             </a:extLst>
           </p:cNvPr>
@@ -3961,7 +3961,7 @@
           <p:cNvPr id="124" name="TextBox 123">
             <a:extLst>
               <a:ext uri="{FF2B5EF4-FFF2-40B4-BE49-F238E27FC236}">
-                <a16:creationId xmlns="" xmlns:a16="http://schemas.microsoft.com/office/drawing/2014/main" id="{499B5DB8-C1F3-F742-A12E-DC8BB9949D35}"/>
+                <a16:creationId xmlns:a16="http://schemas.microsoft.com/office/drawing/2014/main" xmlns="" id="{499B5DB8-C1F3-F742-A12E-DC8BB9949D35}"/>
               </a:ext>
             </a:extLst>
           </p:cNvPr>
@@ -4011,7 +4011,7 @@
           <p:cNvPr id="146" name="TextBox 145">
             <a:extLst>
               <a:ext uri="{FF2B5EF4-FFF2-40B4-BE49-F238E27FC236}">
-                <a16:creationId xmlns="" xmlns:a16="http://schemas.microsoft.com/office/drawing/2014/main" id="{7A1C7AE7-A120-B04E-8A24-16CB749D1043}"/>
+                <a16:creationId xmlns:a16="http://schemas.microsoft.com/office/drawing/2014/main" xmlns="" id="{7A1C7AE7-A120-B04E-8A24-16CB749D1043}"/>
               </a:ext>
             </a:extLst>
           </p:cNvPr>
@@ -4069,7 +4069,7 @@
           <p:cNvPr id="7" name="Rectangle 6">
             <a:extLst>
               <a:ext uri="{FF2B5EF4-FFF2-40B4-BE49-F238E27FC236}">
-                <a16:creationId xmlns="" xmlns:a16="http://schemas.microsoft.com/office/drawing/2014/main" id="{0FDC5B15-9D9C-174C-A86E-FD9F04FED7A3}"/>
+                <a16:creationId xmlns:a16="http://schemas.microsoft.com/office/drawing/2014/main" xmlns="" id="{0FDC5B15-9D9C-174C-A86E-FD9F04FED7A3}"/>
               </a:ext>
             </a:extLst>
           </p:cNvPr>
@@ -4123,7 +4123,7 @@
           <p:cNvPr id="80" name="Rectangle 79">
             <a:extLst>
               <a:ext uri="{FF2B5EF4-FFF2-40B4-BE49-F238E27FC236}">
-                <a16:creationId xmlns="" xmlns:a16="http://schemas.microsoft.com/office/drawing/2014/main" id="{BB0E5F33-D744-C84B-9611-84AE891DA676}"/>
+                <a16:creationId xmlns:a16="http://schemas.microsoft.com/office/drawing/2014/main" xmlns="" id="{BB0E5F33-D744-C84B-9611-84AE891DA676}"/>
               </a:ext>
             </a:extLst>
           </p:cNvPr>
@@ -4177,7 +4177,7 @@
           <p:cNvPr id="82" name="Rectangle 81">
             <a:extLst>
               <a:ext uri="{FF2B5EF4-FFF2-40B4-BE49-F238E27FC236}">
-                <a16:creationId xmlns="" xmlns:a16="http://schemas.microsoft.com/office/drawing/2014/main" id="{6D08685E-133B-3841-86F7-767B02FFC11D}"/>
+                <a16:creationId xmlns:a16="http://schemas.microsoft.com/office/drawing/2014/main" xmlns="" id="{6D08685E-133B-3841-86F7-767B02FFC11D}"/>
               </a:ext>
             </a:extLst>
           </p:cNvPr>
@@ -4231,7 +4231,7 @@
           <p:cNvPr id="83" name="Rectangle 82">
             <a:extLst>
               <a:ext uri="{FF2B5EF4-FFF2-40B4-BE49-F238E27FC236}">
-                <a16:creationId xmlns="" xmlns:a16="http://schemas.microsoft.com/office/drawing/2014/main" id="{2A764637-8C1B-5441-87AF-8EAD4AB913B2}"/>
+                <a16:creationId xmlns:a16="http://schemas.microsoft.com/office/drawing/2014/main" xmlns="" id="{2A764637-8C1B-5441-87AF-8EAD4AB913B2}"/>
               </a:ext>
             </a:extLst>
           </p:cNvPr>
@@ -4285,7 +4285,7 @@
           <p:cNvPr id="85" name="Rectangle 84">
             <a:extLst>
               <a:ext uri="{FF2B5EF4-FFF2-40B4-BE49-F238E27FC236}">
-                <a16:creationId xmlns="" xmlns:a16="http://schemas.microsoft.com/office/drawing/2014/main" id="{F5ACFD06-C20E-8744-AE05-9AA223F4D0CE}"/>
+                <a16:creationId xmlns:a16="http://schemas.microsoft.com/office/drawing/2014/main" xmlns="" id="{F5ACFD06-C20E-8744-AE05-9AA223F4D0CE}"/>
               </a:ext>
             </a:extLst>
           </p:cNvPr>
@@ -4339,7 +4339,7 @@
           <p:cNvPr id="8" name="TextBox 7">
             <a:extLst>
               <a:ext uri="{FF2B5EF4-FFF2-40B4-BE49-F238E27FC236}">
-                <a16:creationId xmlns="" xmlns:a16="http://schemas.microsoft.com/office/drawing/2014/main" id="{BD8950D4-51BB-1746-AB62-0853EC95D999}"/>
+                <a16:creationId xmlns:a16="http://schemas.microsoft.com/office/drawing/2014/main" xmlns="" id="{BD8950D4-51BB-1746-AB62-0853EC95D999}"/>
               </a:ext>
             </a:extLst>
           </p:cNvPr>
@@ -4422,7 +4422,7 @@
           <p:cNvPr id="94" name="TextBox 93">
             <a:extLst>
               <a:ext uri="{FF2B5EF4-FFF2-40B4-BE49-F238E27FC236}">
-                <a16:creationId xmlns="" xmlns:a16="http://schemas.microsoft.com/office/drawing/2014/main" id="{2F87CF8D-F3F0-D847-82FB-4302500E8024}"/>
+                <a16:creationId xmlns:a16="http://schemas.microsoft.com/office/drawing/2014/main" xmlns="" id="{2F87CF8D-F3F0-D847-82FB-4302500E8024}"/>
               </a:ext>
             </a:extLst>
           </p:cNvPr>
@@ -4469,7 +4469,7 @@
           <p:cNvPr id="87" name="TextBox 86">
             <a:extLst>
               <a:ext uri="{FF2B5EF4-FFF2-40B4-BE49-F238E27FC236}">
-                <a16:creationId xmlns="" xmlns:a16="http://schemas.microsoft.com/office/drawing/2014/main" id="{CC7F4846-15C7-A54B-9580-B25A633E3304}"/>
+                <a16:creationId xmlns:a16="http://schemas.microsoft.com/office/drawing/2014/main" xmlns="" id="{CC7F4846-15C7-A54B-9580-B25A633E3304}"/>
               </a:ext>
             </a:extLst>
           </p:cNvPr>
@@ -4516,7 +4516,7 @@
           <p:cNvPr id="88" name="TextBox 87">
             <a:extLst>
               <a:ext uri="{FF2B5EF4-FFF2-40B4-BE49-F238E27FC236}">
-                <a16:creationId xmlns="" xmlns:a16="http://schemas.microsoft.com/office/drawing/2014/main" id="{31E0AB61-A007-ED4F-89C6-EFEE26EF3D2D}"/>
+                <a16:creationId xmlns:a16="http://schemas.microsoft.com/office/drawing/2014/main" xmlns="" id="{31E0AB61-A007-ED4F-89C6-EFEE26EF3D2D}"/>
               </a:ext>
             </a:extLst>
           </p:cNvPr>
@@ -4541,13 +4541,13 @@
           <a:p>
             <a:pPr algn="ctr"/>
             <a:r>
-              <a:rPr lang="tr-TR" sz="1200" b="1" dirty="0" smtClean="0">
+              <a:rPr lang="tr-TR" sz="1200" b="1" smtClean="0">
                 <a:solidFill>
                   <a:schemeClr val="tx2"/>
                 </a:solidFill>
                 <a:latin typeface="Gotham HTF" pitchFamily="2" charset="77"/>
               </a:rPr>
-              <a:t>DEĞİŞTİRİLEBİLİRLİK</a:t>
+              <a:t>DEĞİŞTİRİLEBİLİR</a:t>
             </a:r>
             <a:endParaRPr lang="en-US" sz="1200" b="1" dirty="0">
               <a:solidFill>
@@ -4563,7 +4563,7 @@
           <p:cNvPr id="91" name="TextBox 90">
             <a:extLst>
               <a:ext uri="{FF2B5EF4-FFF2-40B4-BE49-F238E27FC236}">
-                <a16:creationId xmlns="" xmlns:a16="http://schemas.microsoft.com/office/drawing/2014/main" id="{B39AFD49-B3C5-2F48-9993-28182E850B6D}"/>
+                <a16:creationId xmlns:a16="http://schemas.microsoft.com/office/drawing/2014/main" xmlns="" id="{B39AFD49-B3C5-2F48-9993-28182E850B6D}"/>
               </a:ext>
             </a:extLst>
           </p:cNvPr>
@@ -4610,7 +4610,7 @@
           <p:cNvPr id="42" name="TextBox 41">
             <a:extLst>
               <a:ext uri="{FF2B5EF4-FFF2-40B4-BE49-F238E27FC236}">
-                <a16:creationId xmlns="" xmlns:a16="http://schemas.microsoft.com/office/drawing/2014/main" id="{8EA8BF26-DDC2-F64C-A4FF-D7FB44E7D992}"/>
+                <a16:creationId xmlns:a16="http://schemas.microsoft.com/office/drawing/2014/main" xmlns="" id="{8EA8BF26-DDC2-F64C-A4FF-D7FB44E7D992}"/>
               </a:ext>
             </a:extLst>
           </p:cNvPr>
@@ -4747,7 +4747,7 @@
           <p:cNvPr id="19" name="Graphic 18">
             <a:extLst>
               <a:ext uri="{FF2B5EF4-FFF2-40B4-BE49-F238E27FC236}">
-                <a16:creationId xmlns="" xmlns:a16="http://schemas.microsoft.com/office/drawing/2014/main" id="{74997E44-8E1B-6640-941F-AA86F0E66098}"/>
+                <a16:creationId xmlns:a16="http://schemas.microsoft.com/office/drawing/2014/main" xmlns="" id="{74997E44-8E1B-6640-941F-AA86F0E66098}"/>
               </a:ext>
             </a:extLst>
           </p:cNvPr>
@@ -4760,7 +4760,7 @@
           <a:blip r:embed="rId4">
             <a:extLst>
               <a:ext uri="{96DAC541-7B7A-43D3-8B79-37D633B846F1}">
-                <asvg:svgBlip xmlns="" xmlns:asvg="http://schemas.microsoft.com/office/drawing/2016/SVG/main" r:embed="rId5"/>
+                <asvg:svgBlip xmlns:asvg="http://schemas.microsoft.com/office/drawing/2016/SVG/main" xmlns="" r:embed="rId5"/>
               </a:ext>
             </a:extLst>
           </a:blip>
@@ -4783,7 +4783,7 @@
           <p:cNvPr id="95" name="Oval 94">
             <a:extLst>
               <a:ext uri="{FF2B5EF4-FFF2-40B4-BE49-F238E27FC236}">
-                <a16:creationId xmlns="" xmlns:a16="http://schemas.microsoft.com/office/drawing/2014/main" id="{3523AC61-03B2-A047-8A10-45E2FF4F63A6}"/>
+                <a16:creationId xmlns:a16="http://schemas.microsoft.com/office/drawing/2014/main" xmlns="" id="{3523AC61-03B2-A047-8A10-45E2FF4F63A6}"/>
               </a:ext>
             </a:extLst>
           </p:cNvPr>
@@ -4835,7 +4835,7 @@
           <p:cNvPr id="23" name="Graphic 22">
             <a:extLst>
               <a:ext uri="{FF2B5EF4-FFF2-40B4-BE49-F238E27FC236}">
-                <a16:creationId xmlns="" xmlns:a16="http://schemas.microsoft.com/office/drawing/2014/main" id="{140E6D9C-CBE5-B643-8F57-9E430BB3364D}"/>
+                <a16:creationId xmlns:a16="http://schemas.microsoft.com/office/drawing/2014/main" xmlns="" id="{140E6D9C-CBE5-B643-8F57-9E430BB3364D}"/>
               </a:ext>
             </a:extLst>
           </p:cNvPr>
@@ -4848,7 +4848,7 @@
           <a:blip r:embed="rId6">
             <a:extLst>
               <a:ext uri="{96DAC541-7B7A-43D3-8B79-37D633B846F1}">
-                <asvg:svgBlip xmlns="" xmlns:asvg="http://schemas.microsoft.com/office/drawing/2016/SVG/main" r:embed="rId7"/>
+                <asvg:svgBlip xmlns:asvg="http://schemas.microsoft.com/office/drawing/2016/SVG/main" xmlns="" r:embed="rId7"/>
               </a:ext>
             </a:extLst>
           </a:blip>
@@ -4871,7 +4871,7 @@
           <p:cNvPr id="97" name="TextBox 96">
             <a:extLst>
               <a:ext uri="{FF2B5EF4-FFF2-40B4-BE49-F238E27FC236}">
-                <a16:creationId xmlns="" xmlns:a16="http://schemas.microsoft.com/office/drawing/2014/main" id="{BDDABA75-8CBF-5E40-94C6-AF2F49E5FAE6}"/>
+                <a16:creationId xmlns:a16="http://schemas.microsoft.com/office/drawing/2014/main" xmlns="" id="{BDDABA75-8CBF-5E40-94C6-AF2F49E5FAE6}"/>
               </a:ext>
             </a:extLst>
           </p:cNvPr>
@@ -4935,7 +4935,7 @@
           <p:cNvPr id="26" name="Pie 25">
             <a:extLst>
               <a:ext uri="{FF2B5EF4-FFF2-40B4-BE49-F238E27FC236}">
-                <a16:creationId xmlns="" xmlns:a16="http://schemas.microsoft.com/office/drawing/2014/main" id="{D0C341CC-F1B9-4140-9F38-4FB1786E3B96}"/>
+                <a16:creationId xmlns:a16="http://schemas.microsoft.com/office/drawing/2014/main" xmlns="" id="{D0C341CC-F1B9-4140-9F38-4FB1786E3B96}"/>
               </a:ext>
             </a:extLst>
           </p:cNvPr>
@@ -4996,7 +4996,7 @@
           <p:cNvPr id="28" name="Graphic 27">
             <a:extLst>
               <a:ext uri="{FF2B5EF4-FFF2-40B4-BE49-F238E27FC236}">
-                <a16:creationId xmlns="" xmlns:a16="http://schemas.microsoft.com/office/drawing/2014/main" id="{197248BC-36BE-6B4E-B8CA-5CB02A1528B4}"/>
+                <a16:creationId xmlns:a16="http://schemas.microsoft.com/office/drawing/2014/main" xmlns="" id="{197248BC-36BE-6B4E-B8CA-5CB02A1528B4}"/>
               </a:ext>
             </a:extLst>
           </p:cNvPr>
@@ -5009,7 +5009,7 @@
           <a:blip r:embed="rId8">
             <a:extLst>
               <a:ext uri="{96DAC541-7B7A-43D3-8B79-37D633B846F1}">
-                <asvg:svgBlip xmlns="" xmlns:asvg="http://schemas.microsoft.com/office/drawing/2016/SVG/main" r:embed="rId9"/>
+                <asvg:svgBlip xmlns:asvg="http://schemas.microsoft.com/office/drawing/2016/SVG/main" xmlns="" r:embed="rId9"/>
               </a:ext>
             </a:extLst>
           </a:blip>
@@ -5032,7 +5032,7 @@
           <p:cNvPr id="102" name="Pie 101">
             <a:extLst>
               <a:ext uri="{FF2B5EF4-FFF2-40B4-BE49-F238E27FC236}">
-                <a16:creationId xmlns="" xmlns:a16="http://schemas.microsoft.com/office/drawing/2014/main" id="{0909127F-E8F1-EE42-B6CA-889C5FC59097}"/>
+                <a16:creationId xmlns:a16="http://schemas.microsoft.com/office/drawing/2014/main" xmlns="" id="{0909127F-E8F1-EE42-B6CA-889C5FC59097}"/>
               </a:ext>
             </a:extLst>
           </p:cNvPr>
@@ -5091,7 +5091,7 @@
           <p:cNvPr id="105" name="Graphic 104">
             <a:extLst>
               <a:ext uri="{FF2B5EF4-FFF2-40B4-BE49-F238E27FC236}">
-                <a16:creationId xmlns="" xmlns:a16="http://schemas.microsoft.com/office/drawing/2014/main" id="{03881337-6F5F-B14D-9B0F-72D08E3C41BA}"/>
+                <a16:creationId xmlns:a16="http://schemas.microsoft.com/office/drawing/2014/main" xmlns="" id="{03881337-6F5F-B14D-9B0F-72D08E3C41BA}"/>
               </a:ext>
             </a:extLst>
           </p:cNvPr>
@@ -5104,7 +5104,7 @@
           <a:blip r:embed="rId6">
             <a:extLst>
               <a:ext uri="{96DAC541-7B7A-43D3-8B79-37D633B846F1}">
-                <asvg:svgBlip xmlns="" xmlns:asvg="http://schemas.microsoft.com/office/drawing/2016/SVG/main" r:embed="rId7"/>
+                <asvg:svgBlip xmlns:asvg="http://schemas.microsoft.com/office/drawing/2016/SVG/main" xmlns="" r:embed="rId7"/>
               </a:ext>
             </a:extLst>
           </a:blip>
@@ -5127,7 +5127,7 @@
           <p:cNvPr id="29" name="Group 28">
             <a:extLst>
               <a:ext uri="{FF2B5EF4-FFF2-40B4-BE49-F238E27FC236}">
-                <a16:creationId xmlns="" xmlns:a16="http://schemas.microsoft.com/office/drawing/2014/main" id="{89D65425-0483-FF4C-B353-AAC29DFD39DA}"/>
+                <a16:creationId xmlns:a16="http://schemas.microsoft.com/office/drawing/2014/main" xmlns="" id="{89D65425-0483-FF4C-B353-AAC29DFD39DA}"/>
               </a:ext>
             </a:extLst>
           </p:cNvPr>
@@ -5147,7 +5147,7 @@
             <p:cNvPr id="108" name="Oval 107">
               <a:extLst>
                 <a:ext uri="{FF2B5EF4-FFF2-40B4-BE49-F238E27FC236}">
-                  <a16:creationId xmlns="" xmlns:a16="http://schemas.microsoft.com/office/drawing/2014/main" id="{D430A6BB-4110-DD48-BE15-18341A696FE6}"/>
+                  <a16:creationId xmlns:a16="http://schemas.microsoft.com/office/drawing/2014/main" xmlns="" id="{D430A6BB-4110-DD48-BE15-18341A696FE6}"/>
                 </a:ext>
               </a:extLst>
             </p:cNvPr>
@@ -5199,7 +5199,7 @@
             <p:cNvPr id="109" name="Oval 108">
               <a:extLst>
                 <a:ext uri="{FF2B5EF4-FFF2-40B4-BE49-F238E27FC236}">
-                  <a16:creationId xmlns="" xmlns:a16="http://schemas.microsoft.com/office/drawing/2014/main" id="{3D5EB375-9469-9245-9DCB-74560F1EB769}"/>
+                  <a16:creationId xmlns:a16="http://schemas.microsoft.com/office/drawing/2014/main" xmlns="" id="{3D5EB375-9469-9245-9DCB-74560F1EB769}"/>
                 </a:ext>
               </a:extLst>
             </p:cNvPr>
@@ -5251,7 +5251,7 @@
             <p:cNvPr id="115" name="Oval 114">
               <a:extLst>
                 <a:ext uri="{FF2B5EF4-FFF2-40B4-BE49-F238E27FC236}">
-                  <a16:creationId xmlns="" xmlns:a16="http://schemas.microsoft.com/office/drawing/2014/main" id="{CEED23B1-A5BD-C641-A241-96A4D06A7083}"/>
+                  <a16:creationId xmlns:a16="http://schemas.microsoft.com/office/drawing/2014/main" xmlns="" id="{CEED23B1-A5BD-C641-A241-96A4D06A7083}"/>
                 </a:ext>
               </a:extLst>
             </p:cNvPr>
@@ -5303,7 +5303,7 @@
             <p:cNvPr id="118" name="Oval 117">
               <a:extLst>
                 <a:ext uri="{FF2B5EF4-FFF2-40B4-BE49-F238E27FC236}">
-                  <a16:creationId xmlns="" xmlns:a16="http://schemas.microsoft.com/office/drawing/2014/main" id="{1F819775-648F-ED4B-8CC8-C17472842BDB}"/>
+                  <a16:creationId xmlns:a16="http://schemas.microsoft.com/office/drawing/2014/main" xmlns="" id="{1F819775-648F-ED4B-8CC8-C17472842BDB}"/>
                 </a:ext>
               </a:extLst>
             </p:cNvPr>
@@ -5355,7 +5355,7 @@
             <p:cNvPr id="119" name="Oval 118">
               <a:extLst>
                 <a:ext uri="{FF2B5EF4-FFF2-40B4-BE49-F238E27FC236}">
-                  <a16:creationId xmlns="" xmlns:a16="http://schemas.microsoft.com/office/drawing/2014/main" id="{42553990-6B36-0A4E-A964-0FD7372A027F}"/>
+                  <a16:creationId xmlns:a16="http://schemas.microsoft.com/office/drawing/2014/main" xmlns="" id="{42553990-6B36-0A4E-A964-0FD7372A027F}"/>
                 </a:ext>
               </a:extLst>
             </p:cNvPr>
@@ -5407,7 +5407,7 @@
             <p:cNvPr id="125" name="Oval 124">
               <a:extLst>
                 <a:ext uri="{FF2B5EF4-FFF2-40B4-BE49-F238E27FC236}">
-                  <a16:creationId xmlns="" xmlns:a16="http://schemas.microsoft.com/office/drawing/2014/main" id="{F057E765-BB54-104F-9E14-32F7C6C4AA42}"/>
+                  <a16:creationId xmlns:a16="http://schemas.microsoft.com/office/drawing/2014/main" xmlns="" id="{F057E765-BB54-104F-9E14-32F7C6C4AA42}"/>
                 </a:ext>
               </a:extLst>
             </p:cNvPr>
@@ -5459,7 +5459,7 @@
             <p:cNvPr id="126" name="Oval 125">
               <a:extLst>
                 <a:ext uri="{FF2B5EF4-FFF2-40B4-BE49-F238E27FC236}">
-                  <a16:creationId xmlns="" xmlns:a16="http://schemas.microsoft.com/office/drawing/2014/main" id="{DDFF7836-B9C0-7743-9321-2F56D8068AA4}"/>
+                  <a16:creationId xmlns:a16="http://schemas.microsoft.com/office/drawing/2014/main" xmlns="" id="{DDFF7836-B9C0-7743-9321-2F56D8068AA4}"/>
                 </a:ext>
               </a:extLst>
             </p:cNvPr>
@@ -5511,7 +5511,7 @@
             <p:cNvPr id="127" name="Oval 126">
               <a:extLst>
                 <a:ext uri="{FF2B5EF4-FFF2-40B4-BE49-F238E27FC236}">
-                  <a16:creationId xmlns="" xmlns:a16="http://schemas.microsoft.com/office/drawing/2014/main" id="{6962E88A-B61C-B14F-89BC-CF7231A5B720}"/>
+                  <a16:creationId xmlns:a16="http://schemas.microsoft.com/office/drawing/2014/main" xmlns="" id="{6962E88A-B61C-B14F-89BC-CF7231A5B720}"/>
                 </a:ext>
               </a:extLst>
             </p:cNvPr>
@@ -5563,7 +5563,7 @@
             <p:cNvPr id="131" name="Oval 130">
               <a:extLst>
                 <a:ext uri="{FF2B5EF4-FFF2-40B4-BE49-F238E27FC236}">
-                  <a16:creationId xmlns="" xmlns:a16="http://schemas.microsoft.com/office/drawing/2014/main" id="{8C8D66CD-0F11-0B4F-97F9-6F5769366075}"/>
+                  <a16:creationId xmlns:a16="http://schemas.microsoft.com/office/drawing/2014/main" xmlns="" id="{8C8D66CD-0F11-0B4F-97F9-6F5769366075}"/>
                 </a:ext>
               </a:extLst>
             </p:cNvPr>
@@ -5615,7 +5615,7 @@
             <p:cNvPr id="133" name="Oval 132">
               <a:extLst>
                 <a:ext uri="{FF2B5EF4-FFF2-40B4-BE49-F238E27FC236}">
-                  <a16:creationId xmlns="" xmlns:a16="http://schemas.microsoft.com/office/drawing/2014/main" id="{179D3F48-6E29-5B4B-8B51-594142EE0A8F}"/>
+                  <a16:creationId xmlns:a16="http://schemas.microsoft.com/office/drawing/2014/main" xmlns="" id="{179D3F48-6E29-5B4B-8B51-594142EE0A8F}"/>
                 </a:ext>
               </a:extLst>
             </p:cNvPr>
@@ -5667,7 +5667,7 @@
             <p:cNvPr id="134" name="Oval 133">
               <a:extLst>
                 <a:ext uri="{FF2B5EF4-FFF2-40B4-BE49-F238E27FC236}">
-                  <a16:creationId xmlns="" xmlns:a16="http://schemas.microsoft.com/office/drawing/2014/main" id="{BB20CB58-330D-4E4C-B439-1096B2B300F9}"/>
+                  <a16:creationId xmlns:a16="http://schemas.microsoft.com/office/drawing/2014/main" xmlns="" id="{BB20CB58-330D-4E4C-B439-1096B2B300F9}"/>
                 </a:ext>
               </a:extLst>
             </p:cNvPr>
@@ -5719,7 +5719,7 @@
             <p:cNvPr id="135" name="Oval 134">
               <a:extLst>
                 <a:ext uri="{FF2B5EF4-FFF2-40B4-BE49-F238E27FC236}">
-                  <a16:creationId xmlns="" xmlns:a16="http://schemas.microsoft.com/office/drawing/2014/main" id="{72876D89-765D-624C-B787-DC3358AAAC1E}"/>
+                  <a16:creationId xmlns:a16="http://schemas.microsoft.com/office/drawing/2014/main" xmlns="" id="{72876D89-765D-624C-B787-DC3358AAAC1E}"/>
                 </a:ext>
               </a:extLst>
             </p:cNvPr>
@@ -5771,7 +5771,7 @@
             <p:cNvPr id="136" name="Oval 135">
               <a:extLst>
                 <a:ext uri="{FF2B5EF4-FFF2-40B4-BE49-F238E27FC236}">
-                  <a16:creationId xmlns="" xmlns:a16="http://schemas.microsoft.com/office/drawing/2014/main" id="{9F07390B-8734-A240-9121-D2224C1AD2E6}"/>
+                  <a16:creationId xmlns:a16="http://schemas.microsoft.com/office/drawing/2014/main" xmlns="" id="{9F07390B-8734-A240-9121-D2224C1AD2E6}"/>
                 </a:ext>
               </a:extLst>
             </p:cNvPr>
@@ -5823,7 +5823,7 @@
             <p:cNvPr id="140" name="Oval 139">
               <a:extLst>
                 <a:ext uri="{FF2B5EF4-FFF2-40B4-BE49-F238E27FC236}">
-                  <a16:creationId xmlns="" xmlns:a16="http://schemas.microsoft.com/office/drawing/2014/main" id="{1FF00931-9DC0-8A49-B6F3-20B5FD16111E}"/>
+                  <a16:creationId xmlns:a16="http://schemas.microsoft.com/office/drawing/2014/main" xmlns="" id="{1FF00931-9DC0-8A49-B6F3-20B5FD16111E}"/>
                 </a:ext>
               </a:extLst>
             </p:cNvPr>
@@ -5875,7 +5875,7 @@
             <p:cNvPr id="141" name="Oval 140">
               <a:extLst>
                 <a:ext uri="{FF2B5EF4-FFF2-40B4-BE49-F238E27FC236}">
-                  <a16:creationId xmlns="" xmlns:a16="http://schemas.microsoft.com/office/drawing/2014/main" id="{7CD43B6A-455D-7640-A856-484164E31521}"/>
+                  <a16:creationId xmlns:a16="http://schemas.microsoft.com/office/drawing/2014/main" xmlns="" id="{7CD43B6A-455D-7640-A856-484164E31521}"/>
                 </a:ext>
               </a:extLst>
             </p:cNvPr>
@@ -5927,7 +5927,7 @@
             <p:cNvPr id="142" name="Oval 141">
               <a:extLst>
                 <a:ext uri="{FF2B5EF4-FFF2-40B4-BE49-F238E27FC236}">
-                  <a16:creationId xmlns="" xmlns:a16="http://schemas.microsoft.com/office/drawing/2014/main" id="{50894D6D-E767-494F-AF23-C8B589050B40}"/>
+                  <a16:creationId xmlns:a16="http://schemas.microsoft.com/office/drawing/2014/main" xmlns="" id="{50894D6D-E767-494F-AF23-C8B589050B40}"/>
                 </a:ext>
               </a:extLst>
             </p:cNvPr>
@@ -5979,7 +5979,7 @@
             <p:cNvPr id="144" name="Oval 143">
               <a:extLst>
                 <a:ext uri="{FF2B5EF4-FFF2-40B4-BE49-F238E27FC236}">
-                  <a16:creationId xmlns="" xmlns:a16="http://schemas.microsoft.com/office/drawing/2014/main" id="{1DF67006-9B5F-1C40-AA42-AED34FB4DF05}"/>
+                  <a16:creationId xmlns:a16="http://schemas.microsoft.com/office/drawing/2014/main" xmlns="" id="{1DF67006-9B5F-1C40-AA42-AED34FB4DF05}"/>
                 </a:ext>
               </a:extLst>
             </p:cNvPr>
@@ -6031,7 +6031,7 @@
             <p:cNvPr id="151" name="Oval 150">
               <a:extLst>
                 <a:ext uri="{FF2B5EF4-FFF2-40B4-BE49-F238E27FC236}">
-                  <a16:creationId xmlns="" xmlns:a16="http://schemas.microsoft.com/office/drawing/2014/main" id="{A7726C91-C712-E145-833B-05BA89BFCB75}"/>
+                  <a16:creationId xmlns:a16="http://schemas.microsoft.com/office/drawing/2014/main" xmlns="" id="{A7726C91-C712-E145-833B-05BA89BFCB75}"/>
                 </a:ext>
               </a:extLst>
             </p:cNvPr>
@@ -6083,7 +6083,7 @@
             <p:cNvPr id="153" name="Oval 152">
               <a:extLst>
                 <a:ext uri="{FF2B5EF4-FFF2-40B4-BE49-F238E27FC236}">
-                  <a16:creationId xmlns="" xmlns:a16="http://schemas.microsoft.com/office/drawing/2014/main" id="{989BCE69-6BF7-E04A-9323-D93C1440FEBE}"/>
+                  <a16:creationId xmlns:a16="http://schemas.microsoft.com/office/drawing/2014/main" xmlns="" id="{989BCE69-6BF7-E04A-9323-D93C1440FEBE}"/>
                 </a:ext>
               </a:extLst>
             </p:cNvPr>
@@ -6135,7 +6135,7 @@
             <p:cNvPr id="154" name="Oval 153">
               <a:extLst>
                 <a:ext uri="{FF2B5EF4-FFF2-40B4-BE49-F238E27FC236}">
-                  <a16:creationId xmlns="" xmlns:a16="http://schemas.microsoft.com/office/drawing/2014/main" id="{F62ABB59-D24B-3F48-BD9E-829A1F1762A3}"/>
+                  <a16:creationId xmlns:a16="http://schemas.microsoft.com/office/drawing/2014/main" xmlns="" id="{F62ABB59-D24B-3F48-BD9E-829A1F1762A3}"/>
                 </a:ext>
               </a:extLst>
             </p:cNvPr>
@@ -6188,7 +6188,7 @@
           <p:cNvPr id="156" name="Group 155">
             <a:extLst>
               <a:ext uri="{FF2B5EF4-FFF2-40B4-BE49-F238E27FC236}">
-                <a16:creationId xmlns="" xmlns:a16="http://schemas.microsoft.com/office/drawing/2014/main" id="{D533CC75-0BE1-7B46-BB80-B82F93EE22D2}"/>
+                <a16:creationId xmlns:a16="http://schemas.microsoft.com/office/drawing/2014/main" xmlns="" id="{D533CC75-0BE1-7B46-BB80-B82F93EE22D2}"/>
               </a:ext>
             </a:extLst>
           </p:cNvPr>
@@ -6208,7 +6208,7 @@
             <p:cNvPr id="161" name="Oval 160">
               <a:extLst>
                 <a:ext uri="{FF2B5EF4-FFF2-40B4-BE49-F238E27FC236}">
-                  <a16:creationId xmlns="" xmlns:a16="http://schemas.microsoft.com/office/drawing/2014/main" id="{EE1AC8DC-26F3-EC43-877A-22F67BBB457A}"/>
+                  <a16:creationId xmlns:a16="http://schemas.microsoft.com/office/drawing/2014/main" xmlns="" id="{EE1AC8DC-26F3-EC43-877A-22F67BBB457A}"/>
                 </a:ext>
               </a:extLst>
             </p:cNvPr>
@@ -6260,7 +6260,7 @@
             <p:cNvPr id="162" name="Oval 161">
               <a:extLst>
                 <a:ext uri="{FF2B5EF4-FFF2-40B4-BE49-F238E27FC236}">
-                  <a16:creationId xmlns="" xmlns:a16="http://schemas.microsoft.com/office/drawing/2014/main" id="{01DB2ED0-38A0-4640-9C27-6C8248188945}"/>
+                  <a16:creationId xmlns:a16="http://schemas.microsoft.com/office/drawing/2014/main" xmlns="" id="{01DB2ED0-38A0-4640-9C27-6C8248188945}"/>
                 </a:ext>
               </a:extLst>
             </p:cNvPr>
@@ -6312,7 +6312,7 @@
             <p:cNvPr id="163" name="Oval 162">
               <a:extLst>
                 <a:ext uri="{FF2B5EF4-FFF2-40B4-BE49-F238E27FC236}">
-                  <a16:creationId xmlns="" xmlns:a16="http://schemas.microsoft.com/office/drawing/2014/main" id="{D21AD85E-D4CD-E741-B700-A6CDD5CA1C17}"/>
+                  <a16:creationId xmlns:a16="http://schemas.microsoft.com/office/drawing/2014/main" xmlns="" id="{D21AD85E-D4CD-E741-B700-A6CDD5CA1C17}"/>
                 </a:ext>
               </a:extLst>
             </p:cNvPr>
@@ -6364,7 +6364,7 @@
             <p:cNvPr id="164" name="Oval 163">
               <a:extLst>
                 <a:ext uri="{FF2B5EF4-FFF2-40B4-BE49-F238E27FC236}">
-                  <a16:creationId xmlns="" xmlns:a16="http://schemas.microsoft.com/office/drawing/2014/main" id="{E081638E-D2BD-704F-9DBC-4892E51CB4CA}"/>
+                  <a16:creationId xmlns:a16="http://schemas.microsoft.com/office/drawing/2014/main" xmlns="" id="{E081638E-D2BD-704F-9DBC-4892E51CB4CA}"/>
                 </a:ext>
               </a:extLst>
             </p:cNvPr>
@@ -6416,7 +6416,7 @@
             <p:cNvPr id="165" name="Oval 164">
               <a:extLst>
                 <a:ext uri="{FF2B5EF4-FFF2-40B4-BE49-F238E27FC236}">
-                  <a16:creationId xmlns="" xmlns:a16="http://schemas.microsoft.com/office/drawing/2014/main" id="{8FF4276D-7B02-9A4D-A1EA-536F4767DB17}"/>
+                  <a16:creationId xmlns:a16="http://schemas.microsoft.com/office/drawing/2014/main" xmlns="" id="{8FF4276D-7B02-9A4D-A1EA-536F4767DB17}"/>
                 </a:ext>
               </a:extLst>
             </p:cNvPr>
@@ -6468,7 +6468,7 @@
             <p:cNvPr id="166" name="Oval 165">
               <a:extLst>
                 <a:ext uri="{FF2B5EF4-FFF2-40B4-BE49-F238E27FC236}">
-                  <a16:creationId xmlns="" xmlns:a16="http://schemas.microsoft.com/office/drawing/2014/main" id="{C290D35E-1BA9-7041-A6F4-69948EB17B7B}"/>
+                  <a16:creationId xmlns:a16="http://schemas.microsoft.com/office/drawing/2014/main" xmlns="" id="{C290D35E-1BA9-7041-A6F4-69948EB17B7B}"/>
                 </a:ext>
               </a:extLst>
             </p:cNvPr>
@@ -6520,7 +6520,7 @@
             <p:cNvPr id="167" name="Oval 166">
               <a:extLst>
                 <a:ext uri="{FF2B5EF4-FFF2-40B4-BE49-F238E27FC236}">
-                  <a16:creationId xmlns="" xmlns:a16="http://schemas.microsoft.com/office/drawing/2014/main" id="{BD288B0F-8B7E-B144-8CA6-FAB94167D961}"/>
+                  <a16:creationId xmlns:a16="http://schemas.microsoft.com/office/drawing/2014/main" xmlns="" id="{BD288B0F-8B7E-B144-8CA6-FAB94167D961}"/>
                 </a:ext>
               </a:extLst>
             </p:cNvPr>
@@ -6572,7 +6572,7 @@
             <p:cNvPr id="168" name="Oval 167">
               <a:extLst>
                 <a:ext uri="{FF2B5EF4-FFF2-40B4-BE49-F238E27FC236}">
-                  <a16:creationId xmlns="" xmlns:a16="http://schemas.microsoft.com/office/drawing/2014/main" id="{0EDA7932-DF49-FE4E-8937-8561E2098F30}"/>
+                  <a16:creationId xmlns:a16="http://schemas.microsoft.com/office/drawing/2014/main" xmlns="" id="{0EDA7932-DF49-FE4E-8937-8561E2098F30}"/>
                 </a:ext>
               </a:extLst>
             </p:cNvPr>
@@ -6624,7 +6624,7 @@
             <p:cNvPr id="169" name="Oval 168">
               <a:extLst>
                 <a:ext uri="{FF2B5EF4-FFF2-40B4-BE49-F238E27FC236}">
-                  <a16:creationId xmlns="" xmlns:a16="http://schemas.microsoft.com/office/drawing/2014/main" id="{4BE4A320-A572-6041-AE3B-BA7ED5CFCD2F}"/>
+                  <a16:creationId xmlns:a16="http://schemas.microsoft.com/office/drawing/2014/main" xmlns="" id="{4BE4A320-A572-6041-AE3B-BA7ED5CFCD2F}"/>
                 </a:ext>
               </a:extLst>
             </p:cNvPr>
@@ -6676,7 +6676,7 @@
             <p:cNvPr id="170" name="Oval 169">
               <a:extLst>
                 <a:ext uri="{FF2B5EF4-FFF2-40B4-BE49-F238E27FC236}">
-                  <a16:creationId xmlns="" xmlns:a16="http://schemas.microsoft.com/office/drawing/2014/main" id="{F75D800F-438E-D24A-8A63-4C49A8EAA22C}"/>
+                  <a16:creationId xmlns:a16="http://schemas.microsoft.com/office/drawing/2014/main" xmlns="" id="{F75D800F-438E-D24A-8A63-4C49A8EAA22C}"/>
                 </a:ext>
               </a:extLst>
             </p:cNvPr>
@@ -6728,7 +6728,7 @@
             <p:cNvPr id="171" name="Oval 170">
               <a:extLst>
                 <a:ext uri="{FF2B5EF4-FFF2-40B4-BE49-F238E27FC236}">
-                  <a16:creationId xmlns="" xmlns:a16="http://schemas.microsoft.com/office/drawing/2014/main" id="{20385E22-BBFA-DE44-B997-D740EC39B5ED}"/>
+                  <a16:creationId xmlns:a16="http://schemas.microsoft.com/office/drawing/2014/main" xmlns="" id="{20385E22-BBFA-DE44-B997-D740EC39B5ED}"/>
                 </a:ext>
               </a:extLst>
             </p:cNvPr>
@@ -6780,7 +6780,7 @@
             <p:cNvPr id="172" name="Oval 171">
               <a:extLst>
                 <a:ext uri="{FF2B5EF4-FFF2-40B4-BE49-F238E27FC236}">
-                  <a16:creationId xmlns="" xmlns:a16="http://schemas.microsoft.com/office/drawing/2014/main" id="{5C476858-21A0-0846-93A2-EB6FA89FCC8D}"/>
+                  <a16:creationId xmlns:a16="http://schemas.microsoft.com/office/drawing/2014/main" xmlns="" id="{5C476858-21A0-0846-93A2-EB6FA89FCC8D}"/>
                 </a:ext>
               </a:extLst>
             </p:cNvPr>
@@ -6832,7 +6832,7 @@
             <p:cNvPr id="173" name="Oval 172">
               <a:extLst>
                 <a:ext uri="{FF2B5EF4-FFF2-40B4-BE49-F238E27FC236}">
-                  <a16:creationId xmlns="" xmlns:a16="http://schemas.microsoft.com/office/drawing/2014/main" id="{7239C271-09F8-0246-BD91-AC4AD07FE727}"/>
+                  <a16:creationId xmlns:a16="http://schemas.microsoft.com/office/drawing/2014/main" xmlns="" id="{7239C271-09F8-0246-BD91-AC4AD07FE727}"/>
                 </a:ext>
               </a:extLst>
             </p:cNvPr>
@@ -6884,7 +6884,7 @@
             <p:cNvPr id="174" name="Oval 173">
               <a:extLst>
                 <a:ext uri="{FF2B5EF4-FFF2-40B4-BE49-F238E27FC236}">
-                  <a16:creationId xmlns="" xmlns:a16="http://schemas.microsoft.com/office/drawing/2014/main" id="{80085B9B-D0EC-4544-B36A-CC5C65A4303A}"/>
+                  <a16:creationId xmlns:a16="http://schemas.microsoft.com/office/drawing/2014/main" xmlns="" id="{80085B9B-D0EC-4544-B36A-CC5C65A4303A}"/>
                 </a:ext>
               </a:extLst>
             </p:cNvPr>
@@ -6936,7 +6936,7 @@
             <p:cNvPr id="175" name="Oval 174">
               <a:extLst>
                 <a:ext uri="{FF2B5EF4-FFF2-40B4-BE49-F238E27FC236}">
-                  <a16:creationId xmlns="" xmlns:a16="http://schemas.microsoft.com/office/drawing/2014/main" id="{83D1CF88-1B27-8047-B290-E8EE8F39DE62}"/>
+                  <a16:creationId xmlns:a16="http://schemas.microsoft.com/office/drawing/2014/main" xmlns="" id="{83D1CF88-1B27-8047-B290-E8EE8F39DE62}"/>
                 </a:ext>
               </a:extLst>
             </p:cNvPr>
@@ -6988,7 +6988,7 @@
             <p:cNvPr id="176" name="Oval 175">
               <a:extLst>
                 <a:ext uri="{FF2B5EF4-FFF2-40B4-BE49-F238E27FC236}">
-                  <a16:creationId xmlns="" xmlns:a16="http://schemas.microsoft.com/office/drawing/2014/main" id="{B19A5493-A98D-CF4B-B7F3-6F5C18ADF183}"/>
+                  <a16:creationId xmlns:a16="http://schemas.microsoft.com/office/drawing/2014/main" xmlns="" id="{B19A5493-A98D-CF4B-B7F3-6F5C18ADF183}"/>
                 </a:ext>
               </a:extLst>
             </p:cNvPr>
@@ -7040,7 +7040,7 @@
             <p:cNvPr id="177" name="Oval 176">
               <a:extLst>
                 <a:ext uri="{FF2B5EF4-FFF2-40B4-BE49-F238E27FC236}">
-                  <a16:creationId xmlns="" xmlns:a16="http://schemas.microsoft.com/office/drawing/2014/main" id="{B62CEA30-96DE-2049-ADB3-7074B621FA14}"/>
+                  <a16:creationId xmlns:a16="http://schemas.microsoft.com/office/drawing/2014/main" xmlns="" id="{B62CEA30-96DE-2049-ADB3-7074B621FA14}"/>
                 </a:ext>
               </a:extLst>
             </p:cNvPr>
@@ -7092,7 +7092,7 @@
             <p:cNvPr id="178" name="Oval 177">
               <a:extLst>
                 <a:ext uri="{FF2B5EF4-FFF2-40B4-BE49-F238E27FC236}">
-                  <a16:creationId xmlns="" xmlns:a16="http://schemas.microsoft.com/office/drawing/2014/main" id="{479D6F15-D1D0-974C-8DF0-4C728B6B851D}"/>
+                  <a16:creationId xmlns:a16="http://schemas.microsoft.com/office/drawing/2014/main" xmlns="" id="{479D6F15-D1D0-974C-8DF0-4C728B6B851D}"/>
                 </a:ext>
               </a:extLst>
             </p:cNvPr>
@@ -7144,7 +7144,7 @@
             <p:cNvPr id="179" name="Oval 178">
               <a:extLst>
                 <a:ext uri="{FF2B5EF4-FFF2-40B4-BE49-F238E27FC236}">
-                  <a16:creationId xmlns="" xmlns:a16="http://schemas.microsoft.com/office/drawing/2014/main" id="{19042A52-A8D1-C448-91D8-D700AA4EA904}"/>
+                  <a16:creationId xmlns:a16="http://schemas.microsoft.com/office/drawing/2014/main" xmlns="" id="{19042A52-A8D1-C448-91D8-D700AA4EA904}"/>
                 </a:ext>
               </a:extLst>
             </p:cNvPr>
@@ -7196,7 +7196,7 @@
             <p:cNvPr id="180" name="Oval 179">
               <a:extLst>
                 <a:ext uri="{FF2B5EF4-FFF2-40B4-BE49-F238E27FC236}">
-                  <a16:creationId xmlns="" xmlns:a16="http://schemas.microsoft.com/office/drawing/2014/main" id="{19E88E9B-735C-7249-B0B2-E6B5B784850E}"/>
+                  <a16:creationId xmlns:a16="http://schemas.microsoft.com/office/drawing/2014/main" xmlns="" id="{19E88E9B-735C-7249-B0B2-E6B5B784850E}"/>
                 </a:ext>
               </a:extLst>
             </p:cNvPr>
@@ -7249,7 +7249,7 @@
           <p:cNvPr id="181" name="Group 180">
             <a:extLst>
               <a:ext uri="{FF2B5EF4-FFF2-40B4-BE49-F238E27FC236}">
-                <a16:creationId xmlns="" xmlns:a16="http://schemas.microsoft.com/office/drawing/2014/main" id="{CD5E6DF1-C25D-5A40-A4D2-E6E8D46F9CF0}"/>
+                <a16:creationId xmlns:a16="http://schemas.microsoft.com/office/drawing/2014/main" xmlns="" id="{CD5E6DF1-C25D-5A40-A4D2-E6E8D46F9CF0}"/>
               </a:ext>
             </a:extLst>
           </p:cNvPr>
@@ -7269,7 +7269,7 @@
             <p:cNvPr id="182" name="Oval 181">
               <a:extLst>
                 <a:ext uri="{FF2B5EF4-FFF2-40B4-BE49-F238E27FC236}">
-                  <a16:creationId xmlns="" xmlns:a16="http://schemas.microsoft.com/office/drawing/2014/main" id="{5628A35F-405D-3A41-99A4-99CC2C1B35EF}"/>
+                  <a16:creationId xmlns:a16="http://schemas.microsoft.com/office/drawing/2014/main" xmlns="" id="{5628A35F-405D-3A41-99A4-99CC2C1B35EF}"/>
                 </a:ext>
               </a:extLst>
             </p:cNvPr>
@@ -7321,7 +7321,7 @@
             <p:cNvPr id="183" name="Oval 182">
               <a:extLst>
                 <a:ext uri="{FF2B5EF4-FFF2-40B4-BE49-F238E27FC236}">
-                  <a16:creationId xmlns="" xmlns:a16="http://schemas.microsoft.com/office/drawing/2014/main" id="{9FE0A5E6-5632-9B40-A7CD-327135AB4F74}"/>
+                  <a16:creationId xmlns:a16="http://schemas.microsoft.com/office/drawing/2014/main" xmlns="" id="{9FE0A5E6-5632-9B40-A7CD-327135AB4F74}"/>
                 </a:ext>
               </a:extLst>
             </p:cNvPr>
@@ -7373,7 +7373,7 @@
             <p:cNvPr id="184" name="Oval 183">
               <a:extLst>
                 <a:ext uri="{FF2B5EF4-FFF2-40B4-BE49-F238E27FC236}">
-                  <a16:creationId xmlns="" xmlns:a16="http://schemas.microsoft.com/office/drawing/2014/main" id="{282FB228-F353-934D-A13F-C065C75306E1}"/>
+                  <a16:creationId xmlns:a16="http://schemas.microsoft.com/office/drawing/2014/main" xmlns="" id="{282FB228-F353-934D-A13F-C065C75306E1}"/>
                 </a:ext>
               </a:extLst>
             </p:cNvPr>
@@ -7425,7 +7425,7 @@
             <p:cNvPr id="185" name="Oval 184">
               <a:extLst>
                 <a:ext uri="{FF2B5EF4-FFF2-40B4-BE49-F238E27FC236}">
-                  <a16:creationId xmlns="" xmlns:a16="http://schemas.microsoft.com/office/drawing/2014/main" id="{8F509557-A4A3-4C4D-B0B1-E99931F2DA7D}"/>
+                  <a16:creationId xmlns:a16="http://schemas.microsoft.com/office/drawing/2014/main" xmlns="" id="{8F509557-A4A3-4C4D-B0B1-E99931F2DA7D}"/>
                 </a:ext>
               </a:extLst>
             </p:cNvPr>
@@ -7477,7 +7477,7 @@
             <p:cNvPr id="186" name="Oval 185">
               <a:extLst>
                 <a:ext uri="{FF2B5EF4-FFF2-40B4-BE49-F238E27FC236}">
-                  <a16:creationId xmlns="" xmlns:a16="http://schemas.microsoft.com/office/drawing/2014/main" id="{9B5253F7-09EF-FD41-BC01-1AF595754FCB}"/>
+                  <a16:creationId xmlns:a16="http://schemas.microsoft.com/office/drawing/2014/main" xmlns="" id="{9B5253F7-09EF-FD41-BC01-1AF595754FCB}"/>
                 </a:ext>
               </a:extLst>
             </p:cNvPr>
@@ -7529,7 +7529,7 @@
             <p:cNvPr id="187" name="Oval 186">
               <a:extLst>
                 <a:ext uri="{FF2B5EF4-FFF2-40B4-BE49-F238E27FC236}">
-                  <a16:creationId xmlns="" xmlns:a16="http://schemas.microsoft.com/office/drawing/2014/main" id="{59754348-46CF-F64C-8610-BF5729E98958}"/>
+                  <a16:creationId xmlns:a16="http://schemas.microsoft.com/office/drawing/2014/main" xmlns="" id="{59754348-46CF-F64C-8610-BF5729E98958}"/>
                 </a:ext>
               </a:extLst>
             </p:cNvPr>
@@ -7581,7 +7581,7 @@
             <p:cNvPr id="188" name="Oval 187">
               <a:extLst>
                 <a:ext uri="{FF2B5EF4-FFF2-40B4-BE49-F238E27FC236}">
-                  <a16:creationId xmlns="" xmlns:a16="http://schemas.microsoft.com/office/drawing/2014/main" id="{9AA0BAEC-19EF-C84E-BD5D-BF20B951AB79}"/>
+                  <a16:creationId xmlns:a16="http://schemas.microsoft.com/office/drawing/2014/main" xmlns="" id="{9AA0BAEC-19EF-C84E-BD5D-BF20B951AB79}"/>
                 </a:ext>
               </a:extLst>
             </p:cNvPr>
@@ -7633,7 +7633,7 @@
             <p:cNvPr id="189" name="Oval 188">
               <a:extLst>
                 <a:ext uri="{FF2B5EF4-FFF2-40B4-BE49-F238E27FC236}">
-                  <a16:creationId xmlns="" xmlns:a16="http://schemas.microsoft.com/office/drawing/2014/main" id="{051D8993-1154-F043-A069-D5BEC1067416}"/>
+                  <a16:creationId xmlns:a16="http://schemas.microsoft.com/office/drawing/2014/main" xmlns="" id="{051D8993-1154-F043-A069-D5BEC1067416}"/>
                 </a:ext>
               </a:extLst>
             </p:cNvPr>
@@ -7685,7 +7685,7 @@
             <p:cNvPr id="190" name="Oval 189">
               <a:extLst>
                 <a:ext uri="{FF2B5EF4-FFF2-40B4-BE49-F238E27FC236}">
-                  <a16:creationId xmlns="" xmlns:a16="http://schemas.microsoft.com/office/drawing/2014/main" id="{A91EC931-964E-B84C-B6D4-0E1C1991EDF6}"/>
+                  <a16:creationId xmlns:a16="http://schemas.microsoft.com/office/drawing/2014/main" xmlns="" id="{A91EC931-964E-B84C-B6D4-0E1C1991EDF6}"/>
                 </a:ext>
               </a:extLst>
             </p:cNvPr>
@@ -7737,7 +7737,7 @@
             <p:cNvPr id="191" name="Oval 190">
               <a:extLst>
                 <a:ext uri="{FF2B5EF4-FFF2-40B4-BE49-F238E27FC236}">
-                  <a16:creationId xmlns="" xmlns:a16="http://schemas.microsoft.com/office/drawing/2014/main" id="{93C913B6-2FA7-714E-BEFE-F4AC798E1E9D}"/>
+                  <a16:creationId xmlns:a16="http://schemas.microsoft.com/office/drawing/2014/main" xmlns="" id="{93C913B6-2FA7-714E-BEFE-F4AC798E1E9D}"/>
                 </a:ext>
               </a:extLst>
             </p:cNvPr>
@@ -7789,7 +7789,7 @@
             <p:cNvPr id="192" name="Oval 191">
               <a:extLst>
                 <a:ext uri="{FF2B5EF4-FFF2-40B4-BE49-F238E27FC236}">
-                  <a16:creationId xmlns="" xmlns:a16="http://schemas.microsoft.com/office/drawing/2014/main" id="{3B8379B1-36A2-E946-8B5A-6FA6C6AFF7A6}"/>
+                  <a16:creationId xmlns:a16="http://schemas.microsoft.com/office/drawing/2014/main" xmlns="" id="{3B8379B1-36A2-E946-8B5A-6FA6C6AFF7A6}"/>
                 </a:ext>
               </a:extLst>
             </p:cNvPr>
@@ -7841,7 +7841,7 @@
             <p:cNvPr id="193" name="Oval 192">
               <a:extLst>
                 <a:ext uri="{FF2B5EF4-FFF2-40B4-BE49-F238E27FC236}">
-                  <a16:creationId xmlns="" xmlns:a16="http://schemas.microsoft.com/office/drawing/2014/main" id="{9586BC81-0B6F-1A44-B646-F29AF4E5A0F2}"/>
+                  <a16:creationId xmlns:a16="http://schemas.microsoft.com/office/drawing/2014/main" xmlns="" id="{9586BC81-0B6F-1A44-B646-F29AF4E5A0F2}"/>
                 </a:ext>
               </a:extLst>
             </p:cNvPr>
@@ -7893,7 +7893,7 @@
             <p:cNvPr id="194" name="Oval 193">
               <a:extLst>
                 <a:ext uri="{FF2B5EF4-FFF2-40B4-BE49-F238E27FC236}">
-                  <a16:creationId xmlns="" xmlns:a16="http://schemas.microsoft.com/office/drawing/2014/main" id="{029C019A-1CAD-C945-976B-EE86A4441B16}"/>
+                  <a16:creationId xmlns:a16="http://schemas.microsoft.com/office/drawing/2014/main" xmlns="" id="{029C019A-1CAD-C945-976B-EE86A4441B16}"/>
                 </a:ext>
               </a:extLst>
             </p:cNvPr>
@@ -7945,7 +7945,7 @@
             <p:cNvPr id="195" name="Oval 194">
               <a:extLst>
                 <a:ext uri="{FF2B5EF4-FFF2-40B4-BE49-F238E27FC236}">
-                  <a16:creationId xmlns="" xmlns:a16="http://schemas.microsoft.com/office/drawing/2014/main" id="{E56EAC2C-5A62-B040-A0D9-FC677E98DD23}"/>
+                  <a16:creationId xmlns:a16="http://schemas.microsoft.com/office/drawing/2014/main" xmlns="" id="{E56EAC2C-5A62-B040-A0D9-FC677E98DD23}"/>
                 </a:ext>
               </a:extLst>
             </p:cNvPr>
@@ -7997,7 +7997,7 @@
             <p:cNvPr id="196" name="Oval 195">
               <a:extLst>
                 <a:ext uri="{FF2B5EF4-FFF2-40B4-BE49-F238E27FC236}">
-                  <a16:creationId xmlns="" xmlns:a16="http://schemas.microsoft.com/office/drawing/2014/main" id="{3D9A52B7-A0A9-DE40-9B22-35468D9B2310}"/>
+                  <a16:creationId xmlns:a16="http://schemas.microsoft.com/office/drawing/2014/main" xmlns="" id="{3D9A52B7-A0A9-DE40-9B22-35468D9B2310}"/>
                 </a:ext>
               </a:extLst>
             </p:cNvPr>
@@ -8049,7 +8049,7 @@
             <p:cNvPr id="197" name="Oval 196">
               <a:extLst>
                 <a:ext uri="{FF2B5EF4-FFF2-40B4-BE49-F238E27FC236}">
-                  <a16:creationId xmlns="" xmlns:a16="http://schemas.microsoft.com/office/drawing/2014/main" id="{FE26E898-0942-C145-AB16-851ECE5E05AD}"/>
+                  <a16:creationId xmlns:a16="http://schemas.microsoft.com/office/drawing/2014/main" xmlns="" id="{FE26E898-0942-C145-AB16-851ECE5E05AD}"/>
                 </a:ext>
               </a:extLst>
             </p:cNvPr>
@@ -8101,7 +8101,7 @@
             <p:cNvPr id="198" name="Oval 197">
               <a:extLst>
                 <a:ext uri="{FF2B5EF4-FFF2-40B4-BE49-F238E27FC236}">
-                  <a16:creationId xmlns="" xmlns:a16="http://schemas.microsoft.com/office/drawing/2014/main" id="{99B94674-D285-6942-9965-4C64B15A02CA}"/>
+                  <a16:creationId xmlns:a16="http://schemas.microsoft.com/office/drawing/2014/main" xmlns="" id="{99B94674-D285-6942-9965-4C64B15A02CA}"/>
                 </a:ext>
               </a:extLst>
             </p:cNvPr>
@@ -8153,7 +8153,7 @@
             <p:cNvPr id="199" name="Oval 198">
               <a:extLst>
                 <a:ext uri="{FF2B5EF4-FFF2-40B4-BE49-F238E27FC236}">
-                  <a16:creationId xmlns="" xmlns:a16="http://schemas.microsoft.com/office/drawing/2014/main" id="{91912B2B-F40C-8D4C-B71F-5EA6D02124E4}"/>
+                  <a16:creationId xmlns:a16="http://schemas.microsoft.com/office/drawing/2014/main" xmlns="" id="{91912B2B-F40C-8D4C-B71F-5EA6D02124E4}"/>
                 </a:ext>
               </a:extLst>
             </p:cNvPr>
@@ -8205,7 +8205,7 @@
             <p:cNvPr id="200" name="Oval 199">
               <a:extLst>
                 <a:ext uri="{FF2B5EF4-FFF2-40B4-BE49-F238E27FC236}">
-                  <a16:creationId xmlns="" xmlns:a16="http://schemas.microsoft.com/office/drawing/2014/main" id="{E0B01EF3-B92F-CB49-A2A7-D96D892F25C8}"/>
+                  <a16:creationId xmlns:a16="http://schemas.microsoft.com/office/drawing/2014/main" xmlns="" id="{E0B01EF3-B92F-CB49-A2A7-D96D892F25C8}"/>
                 </a:ext>
               </a:extLst>
             </p:cNvPr>
@@ -8257,7 +8257,7 @@
             <p:cNvPr id="201" name="Oval 200">
               <a:extLst>
                 <a:ext uri="{FF2B5EF4-FFF2-40B4-BE49-F238E27FC236}">
-                  <a16:creationId xmlns="" xmlns:a16="http://schemas.microsoft.com/office/drawing/2014/main" id="{F98441DC-A4B7-2248-B92D-FB9F5B3942C8}"/>
+                  <a16:creationId xmlns:a16="http://schemas.microsoft.com/office/drawing/2014/main" xmlns="" id="{F98441DC-A4B7-2248-B92D-FB9F5B3942C8}"/>
                 </a:ext>
               </a:extLst>
             </p:cNvPr>
@@ -8310,7 +8310,7 @@
           <p:cNvPr id="202" name="Group 201">
             <a:extLst>
               <a:ext uri="{FF2B5EF4-FFF2-40B4-BE49-F238E27FC236}">
-                <a16:creationId xmlns="" xmlns:a16="http://schemas.microsoft.com/office/drawing/2014/main" id="{99974B8F-6104-A149-9E09-E85B5F3A7C2D}"/>
+                <a16:creationId xmlns:a16="http://schemas.microsoft.com/office/drawing/2014/main" xmlns="" id="{99974B8F-6104-A149-9E09-E85B5F3A7C2D}"/>
               </a:ext>
             </a:extLst>
           </p:cNvPr>
@@ -8330,7 +8330,7 @@
             <p:cNvPr id="203" name="Oval 202">
               <a:extLst>
                 <a:ext uri="{FF2B5EF4-FFF2-40B4-BE49-F238E27FC236}">
-                  <a16:creationId xmlns="" xmlns:a16="http://schemas.microsoft.com/office/drawing/2014/main" id="{E2795A54-C27C-4E42-8259-28F8A247A3FA}"/>
+                  <a16:creationId xmlns:a16="http://schemas.microsoft.com/office/drawing/2014/main" xmlns="" id="{E2795A54-C27C-4E42-8259-28F8A247A3FA}"/>
                 </a:ext>
               </a:extLst>
             </p:cNvPr>
@@ -8382,7 +8382,7 @@
             <p:cNvPr id="204" name="Oval 203">
               <a:extLst>
                 <a:ext uri="{FF2B5EF4-FFF2-40B4-BE49-F238E27FC236}">
-                  <a16:creationId xmlns="" xmlns:a16="http://schemas.microsoft.com/office/drawing/2014/main" id="{E2593A43-5BCD-5C44-A423-1918524212E0}"/>
+                  <a16:creationId xmlns:a16="http://schemas.microsoft.com/office/drawing/2014/main" xmlns="" id="{E2593A43-5BCD-5C44-A423-1918524212E0}"/>
                 </a:ext>
               </a:extLst>
             </p:cNvPr>
@@ -8434,7 +8434,7 @@
             <p:cNvPr id="205" name="Oval 204">
               <a:extLst>
                 <a:ext uri="{FF2B5EF4-FFF2-40B4-BE49-F238E27FC236}">
-                  <a16:creationId xmlns="" xmlns:a16="http://schemas.microsoft.com/office/drawing/2014/main" id="{839EF010-8EAB-A048-A77A-4CF418389968}"/>
+                  <a16:creationId xmlns:a16="http://schemas.microsoft.com/office/drawing/2014/main" xmlns="" id="{839EF010-8EAB-A048-A77A-4CF418389968}"/>
                 </a:ext>
               </a:extLst>
             </p:cNvPr>
@@ -8486,7 +8486,7 @@
             <p:cNvPr id="206" name="Oval 205">
               <a:extLst>
                 <a:ext uri="{FF2B5EF4-FFF2-40B4-BE49-F238E27FC236}">
-                  <a16:creationId xmlns="" xmlns:a16="http://schemas.microsoft.com/office/drawing/2014/main" id="{8D907D00-E0F9-7547-9394-0FB714CE0798}"/>
+                  <a16:creationId xmlns:a16="http://schemas.microsoft.com/office/drawing/2014/main" xmlns="" id="{8D907D00-E0F9-7547-9394-0FB714CE0798}"/>
                 </a:ext>
               </a:extLst>
             </p:cNvPr>
@@ -8538,7 +8538,7 @@
             <p:cNvPr id="207" name="Oval 206">
               <a:extLst>
                 <a:ext uri="{FF2B5EF4-FFF2-40B4-BE49-F238E27FC236}">
-                  <a16:creationId xmlns="" xmlns:a16="http://schemas.microsoft.com/office/drawing/2014/main" id="{C5161DE8-4C68-3A4F-8715-8422E7DE5F38}"/>
+                  <a16:creationId xmlns:a16="http://schemas.microsoft.com/office/drawing/2014/main" xmlns="" id="{C5161DE8-4C68-3A4F-8715-8422E7DE5F38}"/>
                 </a:ext>
               </a:extLst>
             </p:cNvPr>
@@ -8590,7 +8590,7 @@
             <p:cNvPr id="208" name="Oval 207">
               <a:extLst>
                 <a:ext uri="{FF2B5EF4-FFF2-40B4-BE49-F238E27FC236}">
-                  <a16:creationId xmlns="" xmlns:a16="http://schemas.microsoft.com/office/drawing/2014/main" id="{591C5A27-86DD-8546-BB9F-2C9CD5F8559C}"/>
+                  <a16:creationId xmlns:a16="http://schemas.microsoft.com/office/drawing/2014/main" xmlns="" id="{591C5A27-86DD-8546-BB9F-2C9CD5F8559C}"/>
                 </a:ext>
               </a:extLst>
             </p:cNvPr>
@@ -8642,7 +8642,7 @@
             <p:cNvPr id="209" name="Oval 208">
               <a:extLst>
                 <a:ext uri="{FF2B5EF4-FFF2-40B4-BE49-F238E27FC236}">
-                  <a16:creationId xmlns="" xmlns:a16="http://schemas.microsoft.com/office/drawing/2014/main" id="{B05BD6EA-EE19-4141-899F-00E913CE2D81}"/>
+                  <a16:creationId xmlns:a16="http://schemas.microsoft.com/office/drawing/2014/main" xmlns="" id="{B05BD6EA-EE19-4141-899F-00E913CE2D81}"/>
                 </a:ext>
               </a:extLst>
             </p:cNvPr>
@@ -8694,7 +8694,7 @@
             <p:cNvPr id="210" name="Oval 209">
               <a:extLst>
                 <a:ext uri="{FF2B5EF4-FFF2-40B4-BE49-F238E27FC236}">
-                  <a16:creationId xmlns="" xmlns:a16="http://schemas.microsoft.com/office/drawing/2014/main" id="{46E01C30-8E47-B143-B5D5-B6D25D7A17E2}"/>
+                  <a16:creationId xmlns:a16="http://schemas.microsoft.com/office/drawing/2014/main" xmlns="" id="{46E01C30-8E47-B143-B5D5-B6D25D7A17E2}"/>
                 </a:ext>
               </a:extLst>
             </p:cNvPr>
@@ -8746,7 +8746,7 @@
             <p:cNvPr id="211" name="Oval 210">
               <a:extLst>
                 <a:ext uri="{FF2B5EF4-FFF2-40B4-BE49-F238E27FC236}">
-                  <a16:creationId xmlns="" xmlns:a16="http://schemas.microsoft.com/office/drawing/2014/main" id="{8699AD2A-92C5-7C41-AE70-C2A211669700}"/>
+                  <a16:creationId xmlns:a16="http://schemas.microsoft.com/office/drawing/2014/main" xmlns="" id="{8699AD2A-92C5-7C41-AE70-C2A211669700}"/>
                 </a:ext>
               </a:extLst>
             </p:cNvPr>
@@ -8798,7 +8798,7 @@
             <p:cNvPr id="212" name="Oval 211">
               <a:extLst>
                 <a:ext uri="{FF2B5EF4-FFF2-40B4-BE49-F238E27FC236}">
-                  <a16:creationId xmlns="" xmlns:a16="http://schemas.microsoft.com/office/drawing/2014/main" id="{A0566738-887C-AE4B-ABC1-2C3577240FA4}"/>
+                  <a16:creationId xmlns:a16="http://schemas.microsoft.com/office/drawing/2014/main" xmlns="" id="{A0566738-887C-AE4B-ABC1-2C3577240FA4}"/>
                 </a:ext>
               </a:extLst>
             </p:cNvPr>
@@ -8850,7 +8850,7 @@
             <p:cNvPr id="213" name="Oval 212">
               <a:extLst>
                 <a:ext uri="{FF2B5EF4-FFF2-40B4-BE49-F238E27FC236}">
-                  <a16:creationId xmlns="" xmlns:a16="http://schemas.microsoft.com/office/drawing/2014/main" id="{474EC165-F10B-8D4C-B3CC-ADA05B603460}"/>
+                  <a16:creationId xmlns:a16="http://schemas.microsoft.com/office/drawing/2014/main" xmlns="" id="{474EC165-F10B-8D4C-B3CC-ADA05B603460}"/>
                 </a:ext>
               </a:extLst>
             </p:cNvPr>
@@ -8902,7 +8902,7 @@
             <p:cNvPr id="214" name="Oval 213">
               <a:extLst>
                 <a:ext uri="{FF2B5EF4-FFF2-40B4-BE49-F238E27FC236}">
-                  <a16:creationId xmlns="" xmlns:a16="http://schemas.microsoft.com/office/drawing/2014/main" id="{C6122B58-68D5-1048-B0FF-4F99CD34D997}"/>
+                  <a16:creationId xmlns:a16="http://schemas.microsoft.com/office/drawing/2014/main" xmlns="" id="{C6122B58-68D5-1048-B0FF-4F99CD34D997}"/>
                 </a:ext>
               </a:extLst>
             </p:cNvPr>
@@ -8954,7 +8954,7 @@
             <p:cNvPr id="215" name="Oval 214">
               <a:extLst>
                 <a:ext uri="{FF2B5EF4-FFF2-40B4-BE49-F238E27FC236}">
-                  <a16:creationId xmlns="" xmlns:a16="http://schemas.microsoft.com/office/drawing/2014/main" id="{D7076E75-704D-CD49-B650-CCE826379AFD}"/>
+                  <a16:creationId xmlns:a16="http://schemas.microsoft.com/office/drawing/2014/main" xmlns="" id="{D7076E75-704D-CD49-B650-CCE826379AFD}"/>
                 </a:ext>
               </a:extLst>
             </p:cNvPr>
@@ -9006,7 +9006,7 @@
             <p:cNvPr id="216" name="Oval 215">
               <a:extLst>
                 <a:ext uri="{FF2B5EF4-FFF2-40B4-BE49-F238E27FC236}">
-                  <a16:creationId xmlns="" xmlns:a16="http://schemas.microsoft.com/office/drawing/2014/main" id="{1E57E964-835F-CD4F-8B78-4A88833FB4C6}"/>
+                  <a16:creationId xmlns:a16="http://schemas.microsoft.com/office/drawing/2014/main" xmlns="" id="{1E57E964-835F-CD4F-8B78-4A88833FB4C6}"/>
                 </a:ext>
               </a:extLst>
             </p:cNvPr>
@@ -9058,7 +9058,7 @@
             <p:cNvPr id="217" name="Oval 216">
               <a:extLst>
                 <a:ext uri="{FF2B5EF4-FFF2-40B4-BE49-F238E27FC236}">
-                  <a16:creationId xmlns="" xmlns:a16="http://schemas.microsoft.com/office/drawing/2014/main" id="{7E77FA2B-1E98-D641-B6D6-90F4A4C4020E}"/>
+                  <a16:creationId xmlns:a16="http://schemas.microsoft.com/office/drawing/2014/main" xmlns="" id="{7E77FA2B-1E98-D641-B6D6-90F4A4C4020E}"/>
                 </a:ext>
               </a:extLst>
             </p:cNvPr>
@@ -9110,7 +9110,7 @@
             <p:cNvPr id="218" name="Oval 217">
               <a:extLst>
                 <a:ext uri="{FF2B5EF4-FFF2-40B4-BE49-F238E27FC236}">
-                  <a16:creationId xmlns="" xmlns:a16="http://schemas.microsoft.com/office/drawing/2014/main" id="{BECB1DE9-28DA-F54C-B6E5-A591CFBB9F9F}"/>
+                  <a16:creationId xmlns:a16="http://schemas.microsoft.com/office/drawing/2014/main" xmlns="" id="{BECB1DE9-28DA-F54C-B6E5-A591CFBB9F9F}"/>
                 </a:ext>
               </a:extLst>
             </p:cNvPr>
@@ -9162,7 +9162,7 @@
             <p:cNvPr id="219" name="Oval 218">
               <a:extLst>
                 <a:ext uri="{FF2B5EF4-FFF2-40B4-BE49-F238E27FC236}">
-                  <a16:creationId xmlns="" xmlns:a16="http://schemas.microsoft.com/office/drawing/2014/main" id="{E65A2C44-383E-DA44-BF68-F76752A6444C}"/>
+                  <a16:creationId xmlns:a16="http://schemas.microsoft.com/office/drawing/2014/main" xmlns="" id="{E65A2C44-383E-DA44-BF68-F76752A6444C}"/>
                 </a:ext>
               </a:extLst>
             </p:cNvPr>
@@ -9214,7 +9214,7 @@
             <p:cNvPr id="220" name="Oval 219">
               <a:extLst>
                 <a:ext uri="{FF2B5EF4-FFF2-40B4-BE49-F238E27FC236}">
-                  <a16:creationId xmlns="" xmlns:a16="http://schemas.microsoft.com/office/drawing/2014/main" id="{0949BBF5-B987-6548-84D2-1F64B71873C7}"/>
+                  <a16:creationId xmlns:a16="http://schemas.microsoft.com/office/drawing/2014/main" xmlns="" id="{0949BBF5-B987-6548-84D2-1F64B71873C7}"/>
                 </a:ext>
               </a:extLst>
             </p:cNvPr>
@@ -9266,7 +9266,7 @@
             <p:cNvPr id="221" name="Oval 220">
               <a:extLst>
                 <a:ext uri="{FF2B5EF4-FFF2-40B4-BE49-F238E27FC236}">
-                  <a16:creationId xmlns="" xmlns:a16="http://schemas.microsoft.com/office/drawing/2014/main" id="{6C4775F5-D170-264A-B934-13FC2CB573EB}"/>
+                  <a16:creationId xmlns:a16="http://schemas.microsoft.com/office/drawing/2014/main" xmlns="" id="{6C4775F5-D170-264A-B934-13FC2CB573EB}"/>
                 </a:ext>
               </a:extLst>
             </p:cNvPr>
@@ -9318,7 +9318,7 @@
             <p:cNvPr id="222" name="Oval 221">
               <a:extLst>
                 <a:ext uri="{FF2B5EF4-FFF2-40B4-BE49-F238E27FC236}">
-                  <a16:creationId xmlns="" xmlns:a16="http://schemas.microsoft.com/office/drawing/2014/main" id="{2EA01429-BD95-514E-AC75-55D20A4AC9E1}"/>
+                  <a16:creationId xmlns:a16="http://schemas.microsoft.com/office/drawing/2014/main" xmlns="" id="{2EA01429-BD95-514E-AC75-55D20A4AC9E1}"/>
                 </a:ext>
               </a:extLst>
             </p:cNvPr>
@@ -9371,7 +9371,7 @@
           <p:cNvPr id="223" name="Group 222">
             <a:extLst>
               <a:ext uri="{FF2B5EF4-FFF2-40B4-BE49-F238E27FC236}">
-                <a16:creationId xmlns="" xmlns:a16="http://schemas.microsoft.com/office/drawing/2014/main" id="{D0C15E07-A9C4-D248-8815-5F673AD8CD8E}"/>
+                <a16:creationId xmlns:a16="http://schemas.microsoft.com/office/drawing/2014/main" xmlns="" id="{D0C15E07-A9C4-D248-8815-5F673AD8CD8E}"/>
               </a:ext>
             </a:extLst>
           </p:cNvPr>
@@ -9391,7 +9391,7 @@
             <p:cNvPr id="224" name="Oval 223">
               <a:extLst>
                 <a:ext uri="{FF2B5EF4-FFF2-40B4-BE49-F238E27FC236}">
-                  <a16:creationId xmlns="" xmlns:a16="http://schemas.microsoft.com/office/drawing/2014/main" id="{D0409D75-3B2D-FD44-BAF0-87756FF52BED}"/>
+                  <a16:creationId xmlns:a16="http://schemas.microsoft.com/office/drawing/2014/main" xmlns="" id="{D0409D75-3B2D-FD44-BAF0-87756FF52BED}"/>
                 </a:ext>
               </a:extLst>
             </p:cNvPr>
@@ -9443,7 +9443,7 @@
             <p:cNvPr id="225" name="Oval 224">
               <a:extLst>
                 <a:ext uri="{FF2B5EF4-FFF2-40B4-BE49-F238E27FC236}">
-                  <a16:creationId xmlns="" xmlns:a16="http://schemas.microsoft.com/office/drawing/2014/main" id="{1E8B0C8F-C683-864F-9A05-3665AE1659A4}"/>
+                  <a16:creationId xmlns:a16="http://schemas.microsoft.com/office/drawing/2014/main" xmlns="" id="{1E8B0C8F-C683-864F-9A05-3665AE1659A4}"/>
                 </a:ext>
               </a:extLst>
             </p:cNvPr>
@@ -9495,7 +9495,7 @@
             <p:cNvPr id="226" name="Oval 225">
               <a:extLst>
                 <a:ext uri="{FF2B5EF4-FFF2-40B4-BE49-F238E27FC236}">
-                  <a16:creationId xmlns="" xmlns:a16="http://schemas.microsoft.com/office/drawing/2014/main" id="{98344041-9740-C349-932F-AC0BA3CB7335}"/>
+                  <a16:creationId xmlns:a16="http://schemas.microsoft.com/office/drawing/2014/main" xmlns="" id="{98344041-9740-C349-932F-AC0BA3CB7335}"/>
                 </a:ext>
               </a:extLst>
             </p:cNvPr>
@@ -9547,7 +9547,7 @@
             <p:cNvPr id="227" name="Oval 226">
               <a:extLst>
                 <a:ext uri="{FF2B5EF4-FFF2-40B4-BE49-F238E27FC236}">
-                  <a16:creationId xmlns="" xmlns:a16="http://schemas.microsoft.com/office/drawing/2014/main" id="{88941C79-1A66-EB41-A2AC-8F2BCF51F254}"/>
+                  <a16:creationId xmlns:a16="http://schemas.microsoft.com/office/drawing/2014/main" xmlns="" id="{88941C79-1A66-EB41-A2AC-8F2BCF51F254}"/>
                 </a:ext>
               </a:extLst>
             </p:cNvPr>
@@ -9599,7 +9599,7 @@
             <p:cNvPr id="228" name="Oval 227">
               <a:extLst>
                 <a:ext uri="{FF2B5EF4-FFF2-40B4-BE49-F238E27FC236}">
-                  <a16:creationId xmlns="" xmlns:a16="http://schemas.microsoft.com/office/drawing/2014/main" id="{D975414A-C900-5541-AC80-211752CD1FAC}"/>
+                  <a16:creationId xmlns:a16="http://schemas.microsoft.com/office/drawing/2014/main" xmlns="" id="{D975414A-C900-5541-AC80-211752CD1FAC}"/>
                 </a:ext>
               </a:extLst>
             </p:cNvPr>
@@ -9651,7 +9651,7 @@
             <p:cNvPr id="229" name="Oval 228">
               <a:extLst>
                 <a:ext uri="{FF2B5EF4-FFF2-40B4-BE49-F238E27FC236}">
-                  <a16:creationId xmlns="" xmlns:a16="http://schemas.microsoft.com/office/drawing/2014/main" id="{D63E4390-19B0-614D-B734-5660670213D9}"/>
+                  <a16:creationId xmlns:a16="http://schemas.microsoft.com/office/drawing/2014/main" xmlns="" id="{D63E4390-19B0-614D-B734-5660670213D9}"/>
                 </a:ext>
               </a:extLst>
             </p:cNvPr>
@@ -9703,7 +9703,7 @@
             <p:cNvPr id="230" name="Oval 229">
               <a:extLst>
                 <a:ext uri="{FF2B5EF4-FFF2-40B4-BE49-F238E27FC236}">
-                  <a16:creationId xmlns="" xmlns:a16="http://schemas.microsoft.com/office/drawing/2014/main" id="{05887B8D-F8A6-B14B-B867-F2539C2119CB}"/>
+                  <a16:creationId xmlns:a16="http://schemas.microsoft.com/office/drawing/2014/main" xmlns="" id="{05887B8D-F8A6-B14B-B867-F2539C2119CB}"/>
                 </a:ext>
               </a:extLst>
             </p:cNvPr>
@@ -9755,7 +9755,7 @@
             <p:cNvPr id="231" name="Oval 230">
               <a:extLst>
                 <a:ext uri="{FF2B5EF4-FFF2-40B4-BE49-F238E27FC236}">
-                  <a16:creationId xmlns="" xmlns:a16="http://schemas.microsoft.com/office/drawing/2014/main" id="{A15D3D09-BFCA-5047-97E9-D03CC343C905}"/>
+                  <a16:creationId xmlns:a16="http://schemas.microsoft.com/office/drawing/2014/main" xmlns="" id="{A15D3D09-BFCA-5047-97E9-D03CC343C905}"/>
                 </a:ext>
               </a:extLst>
             </p:cNvPr>
@@ -9807,7 +9807,7 @@
             <p:cNvPr id="232" name="Oval 231">
               <a:extLst>
                 <a:ext uri="{FF2B5EF4-FFF2-40B4-BE49-F238E27FC236}">
-                  <a16:creationId xmlns="" xmlns:a16="http://schemas.microsoft.com/office/drawing/2014/main" id="{83F56D72-7411-844C-9E04-A6A1B5F6FD69}"/>
+                  <a16:creationId xmlns:a16="http://schemas.microsoft.com/office/drawing/2014/main" xmlns="" id="{83F56D72-7411-844C-9E04-A6A1B5F6FD69}"/>
                 </a:ext>
               </a:extLst>
             </p:cNvPr>
@@ -9859,7 +9859,7 @@
             <p:cNvPr id="233" name="Oval 232">
               <a:extLst>
                 <a:ext uri="{FF2B5EF4-FFF2-40B4-BE49-F238E27FC236}">
-                  <a16:creationId xmlns="" xmlns:a16="http://schemas.microsoft.com/office/drawing/2014/main" id="{3053F6C1-D024-414E-8693-CF7DDE751413}"/>
+                  <a16:creationId xmlns:a16="http://schemas.microsoft.com/office/drawing/2014/main" xmlns="" id="{3053F6C1-D024-414E-8693-CF7DDE751413}"/>
                 </a:ext>
               </a:extLst>
             </p:cNvPr>
@@ -9911,7 +9911,7 @@
             <p:cNvPr id="234" name="Oval 233">
               <a:extLst>
                 <a:ext uri="{FF2B5EF4-FFF2-40B4-BE49-F238E27FC236}">
-                  <a16:creationId xmlns="" xmlns:a16="http://schemas.microsoft.com/office/drawing/2014/main" id="{F5A202AF-C2BA-244E-BDF1-E6112906FF2B}"/>
+                  <a16:creationId xmlns:a16="http://schemas.microsoft.com/office/drawing/2014/main" xmlns="" id="{F5A202AF-C2BA-244E-BDF1-E6112906FF2B}"/>
                 </a:ext>
               </a:extLst>
             </p:cNvPr>
@@ -9963,7 +9963,7 @@
             <p:cNvPr id="235" name="Oval 234">
               <a:extLst>
                 <a:ext uri="{FF2B5EF4-FFF2-40B4-BE49-F238E27FC236}">
-                  <a16:creationId xmlns="" xmlns:a16="http://schemas.microsoft.com/office/drawing/2014/main" id="{EA028A1E-51F5-F34A-8A4F-5E5D6459E506}"/>
+                  <a16:creationId xmlns:a16="http://schemas.microsoft.com/office/drawing/2014/main" xmlns="" id="{EA028A1E-51F5-F34A-8A4F-5E5D6459E506}"/>
                 </a:ext>
               </a:extLst>
             </p:cNvPr>
@@ -10015,7 +10015,7 @@
             <p:cNvPr id="236" name="Oval 235">
               <a:extLst>
                 <a:ext uri="{FF2B5EF4-FFF2-40B4-BE49-F238E27FC236}">
-                  <a16:creationId xmlns="" xmlns:a16="http://schemas.microsoft.com/office/drawing/2014/main" id="{74A6538C-5A45-E740-81BA-60022FCCA9BA}"/>
+                  <a16:creationId xmlns:a16="http://schemas.microsoft.com/office/drawing/2014/main" xmlns="" id="{74A6538C-5A45-E740-81BA-60022FCCA9BA}"/>
                 </a:ext>
               </a:extLst>
             </p:cNvPr>
@@ -10067,7 +10067,7 @@
             <p:cNvPr id="237" name="Oval 236">
               <a:extLst>
                 <a:ext uri="{FF2B5EF4-FFF2-40B4-BE49-F238E27FC236}">
-                  <a16:creationId xmlns="" xmlns:a16="http://schemas.microsoft.com/office/drawing/2014/main" id="{360E597F-45B1-8A4D-B160-B76B50C067B1}"/>
+                  <a16:creationId xmlns:a16="http://schemas.microsoft.com/office/drawing/2014/main" xmlns="" id="{360E597F-45B1-8A4D-B160-B76B50C067B1}"/>
                 </a:ext>
               </a:extLst>
             </p:cNvPr>
@@ -10119,7 +10119,7 @@
             <p:cNvPr id="238" name="Oval 237">
               <a:extLst>
                 <a:ext uri="{FF2B5EF4-FFF2-40B4-BE49-F238E27FC236}">
-                  <a16:creationId xmlns="" xmlns:a16="http://schemas.microsoft.com/office/drawing/2014/main" id="{6A58748B-2E6C-3043-98A5-9B1486B6FD3C}"/>
+                  <a16:creationId xmlns:a16="http://schemas.microsoft.com/office/drawing/2014/main" xmlns="" id="{6A58748B-2E6C-3043-98A5-9B1486B6FD3C}"/>
                 </a:ext>
               </a:extLst>
             </p:cNvPr>
@@ -10171,7 +10171,7 @@
             <p:cNvPr id="239" name="Oval 238">
               <a:extLst>
                 <a:ext uri="{FF2B5EF4-FFF2-40B4-BE49-F238E27FC236}">
-                  <a16:creationId xmlns="" xmlns:a16="http://schemas.microsoft.com/office/drawing/2014/main" id="{CB5F943E-A2B0-4C49-BE40-4DE2273E9C5E}"/>
+                  <a16:creationId xmlns:a16="http://schemas.microsoft.com/office/drawing/2014/main" xmlns="" id="{CB5F943E-A2B0-4C49-BE40-4DE2273E9C5E}"/>
                 </a:ext>
               </a:extLst>
             </p:cNvPr>
@@ -10223,7 +10223,7 @@
             <p:cNvPr id="240" name="Oval 239">
               <a:extLst>
                 <a:ext uri="{FF2B5EF4-FFF2-40B4-BE49-F238E27FC236}">
-                  <a16:creationId xmlns="" xmlns:a16="http://schemas.microsoft.com/office/drawing/2014/main" id="{314D829D-0458-4141-A271-3A462E698644}"/>
+                  <a16:creationId xmlns:a16="http://schemas.microsoft.com/office/drawing/2014/main" xmlns="" id="{314D829D-0458-4141-A271-3A462E698644}"/>
                 </a:ext>
               </a:extLst>
             </p:cNvPr>
@@ -10275,7 +10275,7 @@
             <p:cNvPr id="241" name="Oval 240">
               <a:extLst>
                 <a:ext uri="{FF2B5EF4-FFF2-40B4-BE49-F238E27FC236}">
-                  <a16:creationId xmlns="" xmlns:a16="http://schemas.microsoft.com/office/drawing/2014/main" id="{C87354CD-5A7B-EF43-BC89-522E24A249A1}"/>
+                  <a16:creationId xmlns:a16="http://schemas.microsoft.com/office/drawing/2014/main" xmlns="" id="{C87354CD-5A7B-EF43-BC89-522E24A249A1}"/>
                 </a:ext>
               </a:extLst>
             </p:cNvPr>
@@ -10327,7 +10327,7 @@
             <p:cNvPr id="242" name="Oval 241">
               <a:extLst>
                 <a:ext uri="{FF2B5EF4-FFF2-40B4-BE49-F238E27FC236}">
-                  <a16:creationId xmlns="" xmlns:a16="http://schemas.microsoft.com/office/drawing/2014/main" id="{0D537793-DC82-1949-BB18-A65C1207A978}"/>
+                  <a16:creationId xmlns:a16="http://schemas.microsoft.com/office/drawing/2014/main" xmlns="" id="{0D537793-DC82-1949-BB18-A65C1207A978}"/>
                 </a:ext>
               </a:extLst>
             </p:cNvPr>
@@ -10379,7 +10379,7 @@
             <p:cNvPr id="243" name="Oval 242">
               <a:extLst>
                 <a:ext uri="{FF2B5EF4-FFF2-40B4-BE49-F238E27FC236}">
-                  <a16:creationId xmlns="" xmlns:a16="http://schemas.microsoft.com/office/drawing/2014/main" id="{9CFFD4AC-A419-8D46-B70C-5B71CCDE501A}"/>
+                  <a16:creationId xmlns:a16="http://schemas.microsoft.com/office/drawing/2014/main" xmlns="" id="{9CFFD4AC-A419-8D46-B70C-5B71CCDE501A}"/>
                 </a:ext>
               </a:extLst>
             </p:cNvPr>
@@ -10432,7 +10432,7 @@
           <p:cNvPr id="244" name="Group 243">
             <a:extLst>
               <a:ext uri="{FF2B5EF4-FFF2-40B4-BE49-F238E27FC236}">
-                <a16:creationId xmlns="" xmlns:a16="http://schemas.microsoft.com/office/drawing/2014/main" id="{A567BC5F-0484-C54F-8E6E-9FC3611C9CC9}"/>
+                <a16:creationId xmlns:a16="http://schemas.microsoft.com/office/drawing/2014/main" xmlns="" id="{A567BC5F-0484-C54F-8E6E-9FC3611C9CC9}"/>
               </a:ext>
             </a:extLst>
           </p:cNvPr>
@@ -10452,7 +10452,7 @@
             <p:cNvPr id="245" name="Oval 244">
               <a:extLst>
                 <a:ext uri="{FF2B5EF4-FFF2-40B4-BE49-F238E27FC236}">
-                  <a16:creationId xmlns="" xmlns:a16="http://schemas.microsoft.com/office/drawing/2014/main" id="{8E0C7572-2740-2445-BA01-47161CB726E4}"/>
+                  <a16:creationId xmlns:a16="http://schemas.microsoft.com/office/drawing/2014/main" xmlns="" id="{8E0C7572-2740-2445-BA01-47161CB726E4}"/>
                 </a:ext>
               </a:extLst>
             </p:cNvPr>
@@ -10504,7 +10504,7 @@
             <p:cNvPr id="246" name="Oval 245">
               <a:extLst>
                 <a:ext uri="{FF2B5EF4-FFF2-40B4-BE49-F238E27FC236}">
-                  <a16:creationId xmlns="" xmlns:a16="http://schemas.microsoft.com/office/drawing/2014/main" id="{3FE7DBAB-4B2D-934F-BE28-6B5A97182DE7}"/>
+                  <a16:creationId xmlns:a16="http://schemas.microsoft.com/office/drawing/2014/main" xmlns="" id="{3FE7DBAB-4B2D-934F-BE28-6B5A97182DE7}"/>
                 </a:ext>
               </a:extLst>
             </p:cNvPr>
@@ -10556,7 +10556,7 @@
             <p:cNvPr id="247" name="Oval 246">
               <a:extLst>
                 <a:ext uri="{FF2B5EF4-FFF2-40B4-BE49-F238E27FC236}">
-                  <a16:creationId xmlns="" xmlns:a16="http://schemas.microsoft.com/office/drawing/2014/main" id="{0CBEA4AD-48A5-F14D-98FB-1DA474A65731}"/>
+                  <a16:creationId xmlns:a16="http://schemas.microsoft.com/office/drawing/2014/main" xmlns="" id="{0CBEA4AD-48A5-F14D-98FB-1DA474A65731}"/>
                 </a:ext>
               </a:extLst>
             </p:cNvPr>
@@ -10608,7 +10608,7 @@
             <p:cNvPr id="248" name="Oval 247">
               <a:extLst>
                 <a:ext uri="{FF2B5EF4-FFF2-40B4-BE49-F238E27FC236}">
-                  <a16:creationId xmlns="" xmlns:a16="http://schemas.microsoft.com/office/drawing/2014/main" id="{0AD97E18-6A07-554E-9359-2C487A3A72B3}"/>
+                  <a16:creationId xmlns:a16="http://schemas.microsoft.com/office/drawing/2014/main" xmlns="" id="{0AD97E18-6A07-554E-9359-2C487A3A72B3}"/>
                 </a:ext>
               </a:extLst>
             </p:cNvPr>
@@ -10660,7 +10660,7 @@
             <p:cNvPr id="249" name="Oval 248">
               <a:extLst>
                 <a:ext uri="{FF2B5EF4-FFF2-40B4-BE49-F238E27FC236}">
-                  <a16:creationId xmlns="" xmlns:a16="http://schemas.microsoft.com/office/drawing/2014/main" id="{620D370A-2600-3A48-AB12-ECD98F50AF95}"/>
+                  <a16:creationId xmlns:a16="http://schemas.microsoft.com/office/drawing/2014/main" xmlns="" id="{620D370A-2600-3A48-AB12-ECD98F50AF95}"/>
                 </a:ext>
               </a:extLst>
             </p:cNvPr>
@@ -10712,7 +10712,7 @@
             <p:cNvPr id="250" name="Oval 249">
               <a:extLst>
                 <a:ext uri="{FF2B5EF4-FFF2-40B4-BE49-F238E27FC236}">
-                  <a16:creationId xmlns="" xmlns:a16="http://schemas.microsoft.com/office/drawing/2014/main" id="{14A879B4-B2FD-AF49-A236-989E93491A79}"/>
+                  <a16:creationId xmlns:a16="http://schemas.microsoft.com/office/drawing/2014/main" xmlns="" id="{14A879B4-B2FD-AF49-A236-989E93491A79}"/>
                 </a:ext>
               </a:extLst>
             </p:cNvPr>
@@ -10764,7 +10764,7 @@
             <p:cNvPr id="251" name="Oval 250">
               <a:extLst>
                 <a:ext uri="{FF2B5EF4-FFF2-40B4-BE49-F238E27FC236}">
-                  <a16:creationId xmlns="" xmlns:a16="http://schemas.microsoft.com/office/drawing/2014/main" id="{CB79AF51-FCC8-2A43-9EF5-F4E932F4B37D}"/>
+                  <a16:creationId xmlns:a16="http://schemas.microsoft.com/office/drawing/2014/main" xmlns="" id="{CB79AF51-FCC8-2A43-9EF5-F4E932F4B37D}"/>
                 </a:ext>
               </a:extLst>
             </p:cNvPr>
@@ -10816,7 +10816,7 @@
             <p:cNvPr id="252" name="Oval 251">
               <a:extLst>
                 <a:ext uri="{FF2B5EF4-FFF2-40B4-BE49-F238E27FC236}">
-                  <a16:creationId xmlns="" xmlns:a16="http://schemas.microsoft.com/office/drawing/2014/main" id="{41AE7D9F-C4AF-EC4F-BB28-9CFBA3D823D2}"/>
+                  <a16:creationId xmlns:a16="http://schemas.microsoft.com/office/drawing/2014/main" xmlns="" id="{41AE7D9F-C4AF-EC4F-BB28-9CFBA3D823D2}"/>
                 </a:ext>
               </a:extLst>
             </p:cNvPr>
@@ -10868,7 +10868,7 @@
             <p:cNvPr id="253" name="Oval 252">
               <a:extLst>
                 <a:ext uri="{FF2B5EF4-FFF2-40B4-BE49-F238E27FC236}">
-                  <a16:creationId xmlns="" xmlns:a16="http://schemas.microsoft.com/office/drawing/2014/main" id="{50A092D2-386E-744D-902D-9F3949129392}"/>
+                  <a16:creationId xmlns:a16="http://schemas.microsoft.com/office/drawing/2014/main" xmlns="" id="{50A092D2-386E-744D-902D-9F3949129392}"/>
                 </a:ext>
               </a:extLst>
             </p:cNvPr>
@@ -10920,7 +10920,7 @@
             <p:cNvPr id="254" name="Oval 253">
               <a:extLst>
                 <a:ext uri="{FF2B5EF4-FFF2-40B4-BE49-F238E27FC236}">
-                  <a16:creationId xmlns="" xmlns:a16="http://schemas.microsoft.com/office/drawing/2014/main" id="{CAA207F3-EA75-CF40-A647-0DD0DA75E8BD}"/>
+                  <a16:creationId xmlns:a16="http://schemas.microsoft.com/office/drawing/2014/main" xmlns="" id="{CAA207F3-EA75-CF40-A647-0DD0DA75E8BD}"/>
                 </a:ext>
               </a:extLst>
             </p:cNvPr>
@@ -10972,7 +10972,7 @@
             <p:cNvPr id="255" name="Oval 254">
               <a:extLst>
                 <a:ext uri="{FF2B5EF4-FFF2-40B4-BE49-F238E27FC236}">
-                  <a16:creationId xmlns="" xmlns:a16="http://schemas.microsoft.com/office/drawing/2014/main" id="{10D1B629-72AE-BD47-82CE-44E1023F2595}"/>
+                  <a16:creationId xmlns:a16="http://schemas.microsoft.com/office/drawing/2014/main" xmlns="" id="{10D1B629-72AE-BD47-82CE-44E1023F2595}"/>
                 </a:ext>
               </a:extLst>
             </p:cNvPr>
@@ -11024,7 +11024,7 @@
             <p:cNvPr id="256" name="Oval 255">
               <a:extLst>
                 <a:ext uri="{FF2B5EF4-FFF2-40B4-BE49-F238E27FC236}">
-                  <a16:creationId xmlns="" xmlns:a16="http://schemas.microsoft.com/office/drawing/2014/main" id="{39291D2B-5269-1748-95B8-28296CB9F342}"/>
+                  <a16:creationId xmlns:a16="http://schemas.microsoft.com/office/drawing/2014/main" xmlns="" id="{39291D2B-5269-1748-95B8-28296CB9F342}"/>
                 </a:ext>
               </a:extLst>
             </p:cNvPr>
@@ -11076,7 +11076,7 @@
             <p:cNvPr id="257" name="Oval 256">
               <a:extLst>
                 <a:ext uri="{FF2B5EF4-FFF2-40B4-BE49-F238E27FC236}">
-                  <a16:creationId xmlns="" xmlns:a16="http://schemas.microsoft.com/office/drawing/2014/main" id="{711648C3-CEAA-1D4B-AB70-537F51DD1273}"/>
+                  <a16:creationId xmlns:a16="http://schemas.microsoft.com/office/drawing/2014/main" xmlns="" id="{711648C3-CEAA-1D4B-AB70-537F51DD1273}"/>
                 </a:ext>
               </a:extLst>
             </p:cNvPr>
@@ -11128,7 +11128,7 @@
             <p:cNvPr id="258" name="Oval 257">
               <a:extLst>
                 <a:ext uri="{FF2B5EF4-FFF2-40B4-BE49-F238E27FC236}">
-                  <a16:creationId xmlns="" xmlns:a16="http://schemas.microsoft.com/office/drawing/2014/main" id="{8612B59A-C40B-E04A-B181-620B83CC470F}"/>
+                  <a16:creationId xmlns:a16="http://schemas.microsoft.com/office/drawing/2014/main" xmlns="" id="{8612B59A-C40B-E04A-B181-620B83CC470F}"/>
                 </a:ext>
               </a:extLst>
             </p:cNvPr>
@@ -11180,7 +11180,7 @@
             <p:cNvPr id="259" name="Oval 258">
               <a:extLst>
                 <a:ext uri="{FF2B5EF4-FFF2-40B4-BE49-F238E27FC236}">
-                  <a16:creationId xmlns="" xmlns:a16="http://schemas.microsoft.com/office/drawing/2014/main" id="{467BF599-12B0-9845-B662-D85BB87D5D9B}"/>
+                  <a16:creationId xmlns:a16="http://schemas.microsoft.com/office/drawing/2014/main" xmlns="" id="{467BF599-12B0-9845-B662-D85BB87D5D9B}"/>
                 </a:ext>
               </a:extLst>
             </p:cNvPr>
@@ -11232,7 +11232,7 @@
             <p:cNvPr id="260" name="Oval 259">
               <a:extLst>
                 <a:ext uri="{FF2B5EF4-FFF2-40B4-BE49-F238E27FC236}">
-                  <a16:creationId xmlns="" xmlns:a16="http://schemas.microsoft.com/office/drawing/2014/main" id="{3C1E70DD-D8B6-DE48-9DEE-2B5DE63CCE3D}"/>
+                  <a16:creationId xmlns:a16="http://schemas.microsoft.com/office/drawing/2014/main" xmlns="" id="{3C1E70DD-D8B6-DE48-9DEE-2B5DE63CCE3D}"/>
                 </a:ext>
               </a:extLst>
             </p:cNvPr>
@@ -11284,7 +11284,7 @@
             <p:cNvPr id="261" name="Oval 260">
               <a:extLst>
                 <a:ext uri="{FF2B5EF4-FFF2-40B4-BE49-F238E27FC236}">
-                  <a16:creationId xmlns="" xmlns:a16="http://schemas.microsoft.com/office/drawing/2014/main" id="{33A10C40-1A7F-5F45-ACCF-D0BE19E5394D}"/>
+                  <a16:creationId xmlns:a16="http://schemas.microsoft.com/office/drawing/2014/main" xmlns="" id="{33A10C40-1A7F-5F45-ACCF-D0BE19E5394D}"/>
                 </a:ext>
               </a:extLst>
             </p:cNvPr>
@@ -11336,7 +11336,7 @@
             <p:cNvPr id="262" name="Oval 261">
               <a:extLst>
                 <a:ext uri="{FF2B5EF4-FFF2-40B4-BE49-F238E27FC236}">
-                  <a16:creationId xmlns="" xmlns:a16="http://schemas.microsoft.com/office/drawing/2014/main" id="{B67C7A6B-F712-EE4C-BBC7-E24E568F748D}"/>
+                  <a16:creationId xmlns:a16="http://schemas.microsoft.com/office/drawing/2014/main" xmlns="" id="{B67C7A6B-F712-EE4C-BBC7-E24E568F748D}"/>
                 </a:ext>
               </a:extLst>
             </p:cNvPr>
@@ -11388,7 +11388,7 @@
             <p:cNvPr id="263" name="Oval 262">
               <a:extLst>
                 <a:ext uri="{FF2B5EF4-FFF2-40B4-BE49-F238E27FC236}">
-                  <a16:creationId xmlns="" xmlns:a16="http://schemas.microsoft.com/office/drawing/2014/main" id="{DB3A46AC-F177-D742-90CF-785B11407419}"/>
+                  <a16:creationId xmlns:a16="http://schemas.microsoft.com/office/drawing/2014/main" xmlns="" id="{DB3A46AC-F177-D742-90CF-785B11407419}"/>
                 </a:ext>
               </a:extLst>
             </p:cNvPr>
@@ -11440,7 +11440,7 @@
             <p:cNvPr id="264" name="Oval 263">
               <a:extLst>
                 <a:ext uri="{FF2B5EF4-FFF2-40B4-BE49-F238E27FC236}">
-                  <a16:creationId xmlns="" xmlns:a16="http://schemas.microsoft.com/office/drawing/2014/main" id="{FD18B076-AE43-0845-8FFE-E12876510541}"/>
+                  <a16:creationId xmlns:a16="http://schemas.microsoft.com/office/drawing/2014/main" xmlns="" id="{FD18B076-AE43-0845-8FFE-E12876510541}"/>
                 </a:ext>
               </a:extLst>
             </p:cNvPr>
@@ -11493,7 +11493,7 @@
           <p:cNvPr id="265" name="Group 264">
             <a:extLst>
               <a:ext uri="{FF2B5EF4-FFF2-40B4-BE49-F238E27FC236}">
-                <a16:creationId xmlns="" xmlns:a16="http://schemas.microsoft.com/office/drawing/2014/main" id="{BB0F49DA-72F6-8941-82BF-36218E1B6550}"/>
+                <a16:creationId xmlns:a16="http://schemas.microsoft.com/office/drawing/2014/main" xmlns="" id="{BB0F49DA-72F6-8941-82BF-36218E1B6550}"/>
               </a:ext>
             </a:extLst>
           </p:cNvPr>
@@ -11513,7 +11513,7 @@
             <p:cNvPr id="266" name="Oval 265">
               <a:extLst>
                 <a:ext uri="{FF2B5EF4-FFF2-40B4-BE49-F238E27FC236}">
-                  <a16:creationId xmlns="" xmlns:a16="http://schemas.microsoft.com/office/drawing/2014/main" id="{263BE054-BE22-3E46-AE11-F233B4DE0521}"/>
+                  <a16:creationId xmlns:a16="http://schemas.microsoft.com/office/drawing/2014/main" xmlns="" id="{263BE054-BE22-3E46-AE11-F233B4DE0521}"/>
                 </a:ext>
               </a:extLst>
             </p:cNvPr>
@@ -11565,7 +11565,7 @@
             <p:cNvPr id="267" name="Oval 266">
               <a:extLst>
                 <a:ext uri="{FF2B5EF4-FFF2-40B4-BE49-F238E27FC236}">
-                  <a16:creationId xmlns="" xmlns:a16="http://schemas.microsoft.com/office/drawing/2014/main" id="{B165D0AC-4486-5543-A9BC-620B3710C234}"/>
+                  <a16:creationId xmlns:a16="http://schemas.microsoft.com/office/drawing/2014/main" xmlns="" id="{B165D0AC-4486-5543-A9BC-620B3710C234}"/>
                 </a:ext>
               </a:extLst>
             </p:cNvPr>
@@ -11617,7 +11617,7 @@
             <p:cNvPr id="268" name="Oval 267">
               <a:extLst>
                 <a:ext uri="{FF2B5EF4-FFF2-40B4-BE49-F238E27FC236}">
-                  <a16:creationId xmlns="" xmlns:a16="http://schemas.microsoft.com/office/drawing/2014/main" id="{6E9898A2-0076-EE47-B864-2A4D576054D8}"/>
+                  <a16:creationId xmlns:a16="http://schemas.microsoft.com/office/drawing/2014/main" xmlns="" id="{6E9898A2-0076-EE47-B864-2A4D576054D8}"/>
                 </a:ext>
               </a:extLst>
             </p:cNvPr>
@@ -11669,7 +11669,7 @@
             <p:cNvPr id="269" name="Oval 268">
               <a:extLst>
                 <a:ext uri="{FF2B5EF4-FFF2-40B4-BE49-F238E27FC236}">
-                  <a16:creationId xmlns="" xmlns:a16="http://schemas.microsoft.com/office/drawing/2014/main" id="{8E371753-2827-174E-9440-8CDE1489916D}"/>
+                  <a16:creationId xmlns:a16="http://schemas.microsoft.com/office/drawing/2014/main" xmlns="" id="{8E371753-2827-174E-9440-8CDE1489916D}"/>
                 </a:ext>
               </a:extLst>
             </p:cNvPr>
@@ -11721,7 +11721,7 @@
             <p:cNvPr id="270" name="Oval 269">
               <a:extLst>
                 <a:ext uri="{FF2B5EF4-FFF2-40B4-BE49-F238E27FC236}">
-                  <a16:creationId xmlns="" xmlns:a16="http://schemas.microsoft.com/office/drawing/2014/main" id="{ACFC0B70-305B-5F47-84C6-73F941F64771}"/>
+                  <a16:creationId xmlns:a16="http://schemas.microsoft.com/office/drawing/2014/main" xmlns="" id="{ACFC0B70-305B-5F47-84C6-73F941F64771}"/>
                 </a:ext>
               </a:extLst>
             </p:cNvPr>
@@ -11773,7 +11773,7 @@
             <p:cNvPr id="271" name="Oval 270">
               <a:extLst>
                 <a:ext uri="{FF2B5EF4-FFF2-40B4-BE49-F238E27FC236}">
-                  <a16:creationId xmlns="" xmlns:a16="http://schemas.microsoft.com/office/drawing/2014/main" id="{FAC16757-C487-1B47-8ECB-1EB53BED3040}"/>
+                  <a16:creationId xmlns:a16="http://schemas.microsoft.com/office/drawing/2014/main" xmlns="" id="{FAC16757-C487-1B47-8ECB-1EB53BED3040}"/>
                 </a:ext>
               </a:extLst>
             </p:cNvPr>
@@ -11825,7 +11825,7 @@
             <p:cNvPr id="272" name="Oval 271">
               <a:extLst>
                 <a:ext uri="{FF2B5EF4-FFF2-40B4-BE49-F238E27FC236}">
-                  <a16:creationId xmlns="" xmlns:a16="http://schemas.microsoft.com/office/drawing/2014/main" id="{4EB50F56-7B70-FB41-AA6B-763B7645E8CE}"/>
+                  <a16:creationId xmlns:a16="http://schemas.microsoft.com/office/drawing/2014/main" xmlns="" id="{4EB50F56-7B70-FB41-AA6B-763B7645E8CE}"/>
                 </a:ext>
               </a:extLst>
             </p:cNvPr>
@@ -11877,7 +11877,7 @@
             <p:cNvPr id="273" name="Oval 272">
               <a:extLst>
                 <a:ext uri="{FF2B5EF4-FFF2-40B4-BE49-F238E27FC236}">
-                  <a16:creationId xmlns="" xmlns:a16="http://schemas.microsoft.com/office/drawing/2014/main" id="{7FD02D09-17CB-704F-BAE5-B153F422477F}"/>
+                  <a16:creationId xmlns:a16="http://schemas.microsoft.com/office/drawing/2014/main" xmlns="" id="{7FD02D09-17CB-704F-BAE5-B153F422477F}"/>
                 </a:ext>
               </a:extLst>
             </p:cNvPr>
@@ -11929,7 +11929,7 @@
             <p:cNvPr id="274" name="Oval 273">
               <a:extLst>
                 <a:ext uri="{FF2B5EF4-FFF2-40B4-BE49-F238E27FC236}">
-                  <a16:creationId xmlns="" xmlns:a16="http://schemas.microsoft.com/office/drawing/2014/main" id="{AB11C07A-0470-4C49-82B7-DCF094B56C55}"/>
+                  <a16:creationId xmlns:a16="http://schemas.microsoft.com/office/drawing/2014/main" xmlns="" id="{AB11C07A-0470-4C49-82B7-DCF094B56C55}"/>
                 </a:ext>
               </a:extLst>
             </p:cNvPr>
@@ -11981,7 +11981,7 @@
             <p:cNvPr id="275" name="Oval 274">
               <a:extLst>
                 <a:ext uri="{FF2B5EF4-FFF2-40B4-BE49-F238E27FC236}">
-                  <a16:creationId xmlns="" xmlns:a16="http://schemas.microsoft.com/office/drawing/2014/main" id="{D121AB4B-990E-B942-8B12-313CC0F8BB7C}"/>
+                  <a16:creationId xmlns:a16="http://schemas.microsoft.com/office/drawing/2014/main" xmlns="" id="{D121AB4B-990E-B942-8B12-313CC0F8BB7C}"/>
                 </a:ext>
               </a:extLst>
             </p:cNvPr>
@@ -12033,7 +12033,7 @@
             <p:cNvPr id="276" name="Oval 275">
               <a:extLst>
                 <a:ext uri="{FF2B5EF4-FFF2-40B4-BE49-F238E27FC236}">
-                  <a16:creationId xmlns="" xmlns:a16="http://schemas.microsoft.com/office/drawing/2014/main" id="{FF8DBAC1-3F3A-6741-A44D-515E3FF6F500}"/>
+                  <a16:creationId xmlns:a16="http://schemas.microsoft.com/office/drawing/2014/main" xmlns="" id="{FF8DBAC1-3F3A-6741-A44D-515E3FF6F500}"/>
                 </a:ext>
               </a:extLst>
             </p:cNvPr>
@@ -12085,7 +12085,7 @@
             <p:cNvPr id="277" name="Oval 276">
               <a:extLst>
                 <a:ext uri="{FF2B5EF4-FFF2-40B4-BE49-F238E27FC236}">
-                  <a16:creationId xmlns="" xmlns:a16="http://schemas.microsoft.com/office/drawing/2014/main" id="{10B1B24D-3A8C-6B47-9E26-3AE09C511F5D}"/>
+                  <a16:creationId xmlns:a16="http://schemas.microsoft.com/office/drawing/2014/main" xmlns="" id="{10B1B24D-3A8C-6B47-9E26-3AE09C511F5D}"/>
                 </a:ext>
               </a:extLst>
             </p:cNvPr>
@@ -12137,7 +12137,7 @@
             <p:cNvPr id="278" name="Oval 277">
               <a:extLst>
                 <a:ext uri="{FF2B5EF4-FFF2-40B4-BE49-F238E27FC236}">
-                  <a16:creationId xmlns="" xmlns:a16="http://schemas.microsoft.com/office/drawing/2014/main" id="{233F41DB-42C4-EE48-824F-3B1A3E046B04}"/>
+                  <a16:creationId xmlns:a16="http://schemas.microsoft.com/office/drawing/2014/main" xmlns="" id="{233F41DB-42C4-EE48-824F-3B1A3E046B04}"/>
                 </a:ext>
               </a:extLst>
             </p:cNvPr>
@@ -12189,7 +12189,7 @@
             <p:cNvPr id="279" name="Oval 278">
               <a:extLst>
                 <a:ext uri="{FF2B5EF4-FFF2-40B4-BE49-F238E27FC236}">
-                  <a16:creationId xmlns="" xmlns:a16="http://schemas.microsoft.com/office/drawing/2014/main" id="{60B9D8A0-D3C5-5148-AF78-C02D503D0B31}"/>
+                  <a16:creationId xmlns:a16="http://schemas.microsoft.com/office/drawing/2014/main" xmlns="" id="{60B9D8A0-D3C5-5148-AF78-C02D503D0B31}"/>
                 </a:ext>
               </a:extLst>
             </p:cNvPr>
@@ -12241,7 +12241,7 @@
             <p:cNvPr id="280" name="Oval 279">
               <a:extLst>
                 <a:ext uri="{FF2B5EF4-FFF2-40B4-BE49-F238E27FC236}">
-                  <a16:creationId xmlns="" xmlns:a16="http://schemas.microsoft.com/office/drawing/2014/main" id="{A78481CC-2862-6D42-BEF1-74D690B17E75}"/>
+                  <a16:creationId xmlns:a16="http://schemas.microsoft.com/office/drawing/2014/main" xmlns="" id="{A78481CC-2862-6D42-BEF1-74D690B17E75}"/>
                 </a:ext>
               </a:extLst>
             </p:cNvPr>
@@ -12293,7 +12293,7 @@
             <p:cNvPr id="281" name="Oval 280">
               <a:extLst>
                 <a:ext uri="{FF2B5EF4-FFF2-40B4-BE49-F238E27FC236}">
-                  <a16:creationId xmlns="" xmlns:a16="http://schemas.microsoft.com/office/drawing/2014/main" id="{6F670ABB-2D0E-D340-9B1E-FA36B6F698AB}"/>
+                  <a16:creationId xmlns:a16="http://schemas.microsoft.com/office/drawing/2014/main" xmlns="" id="{6F670ABB-2D0E-D340-9B1E-FA36B6F698AB}"/>
                 </a:ext>
               </a:extLst>
             </p:cNvPr>
@@ -12345,7 +12345,7 @@
             <p:cNvPr id="282" name="Oval 281">
               <a:extLst>
                 <a:ext uri="{FF2B5EF4-FFF2-40B4-BE49-F238E27FC236}">
-                  <a16:creationId xmlns="" xmlns:a16="http://schemas.microsoft.com/office/drawing/2014/main" id="{38F32581-7332-EF41-B3BD-538F98DDDB2B}"/>
+                  <a16:creationId xmlns:a16="http://schemas.microsoft.com/office/drawing/2014/main" xmlns="" id="{38F32581-7332-EF41-B3BD-538F98DDDB2B}"/>
                 </a:ext>
               </a:extLst>
             </p:cNvPr>
@@ -12397,7 +12397,7 @@
             <p:cNvPr id="283" name="Oval 282">
               <a:extLst>
                 <a:ext uri="{FF2B5EF4-FFF2-40B4-BE49-F238E27FC236}">
-                  <a16:creationId xmlns="" xmlns:a16="http://schemas.microsoft.com/office/drawing/2014/main" id="{516984E3-C63E-1F4F-B555-84B32C64E1A4}"/>
+                  <a16:creationId xmlns:a16="http://schemas.microsoft.com/office/drawing/2014/main" xmlns="" id="{516984E3-C63E-1F4F-B555-84B32C64E1A4}"/>
                 </a:ext>
               </a:extLst>
             </p:cNvPr>
@@ -12449,7 +12449,7 @@
             <p:cNvPr id="284" name="Oval 283">
               <a:extLst>
                 <a:ext uri="{FF2B5EF4-FFF2-40B4-BE49-F238E27FC236}">
-                  <a16:creationId xmlns="" xmlns:a16="http://schemas.microsoft.com/office/drawing/2014/main" id="{D274B7F8-E782-F34A-A179-E87BDB0F8AA6}"/>
+                  <a16:creationId xmlns:a16="http://schemas.microsoft.com/office/drawing/2014/main" xmlns="" id="{D274B7F8-E782-F34A-A179-E87BDB0F8AA6}"/>
                 </a:ext>
               </a:extLst>
             </p:cNvPr>
@@ -12501,7 +12501,7 @@
             <p:cNvPr id="285" name="Oval 284">
               <a:extLst>
                 <a:ext uri="{FF2B5EF4-FFF2-40B4-BE49-F238E27FC236}">
-                  <a16:creationId xmlns="" xmlns:a16="http://schemas.microsoft.com/office/drawing/2014/main" id="{7D57A094-03B5-484B-8939-02F7AAA1819D}"/>
+                  <a16:creationId xmlns:a16="http://schemas.microsoft.com/office/drawing/2014/main" xmlns="" id="{7D57A094-03B5-484B-8939-02F7AAA1819D}"/>
                 </a:ext>
               </a:extLst>
             </p:cNvPr>
@@ -12554,7 +12554,7 @@
           <p:cNvPr id="286" name="TextBox 285">
             <a:extLst>
               <a:ext uri="{FF2B5EF4-FFF2-40B4-BE49-F238E27FC236}">
-                <a16:creationId xmlns="" xmlns:a16="http://schemas.microsoft.com/office/drawing/2014/main" id="{74B523D8-190B-AB4D-82DC-D79E35FB1002}"/>
+                <a16:creationId xmlns:a16="http://schemas.microsoft.com/office/drawing/2014/main" xmlns="" id="{74B523D8-190B-AB4D-82DC-D79E35FB1002}"/>
               </a:ext>
             </a:extLst>
           </p:cNvPr>
@@ -12649,7 +12649,7 @@
           <p:cNvPr id="287" name="TextBox 286">
             <a:extLst>
               <a:ext uri="{FF2B5EF4-FFF2-40B4-BE49-F238E27FC236}">
-                <a16:creationId xmlns="" xmlns:a16="http://schemas.microsoft.com/office/drawing/2014/main" id="{98B19F31-3355-7D4D-BBBD-5134F32D2760}"/>
+                <a16:creationId xmlns:a16="http://schemas.microsoft.com/office/drawing/2014/main" xmlns="" id="{98B19F31-3355-7D4D-BBBD-5134F32D2760}"/>
               </a:ext>
             </a:extLst>
           </p:cNvPr>
@@ -12744,7 +12744,7 @@
           <p:cNvPr id="288" name="Oval 287">
             <a:extLst>
               <a:ext uri="{FF2B5EF4-FFF2-40B4-BE49-F238E27FC236}">
-                <a16:creationId xmlns="" xmlns:a16="http://schemas.microsoft.com/office/drawing/2014/main" id="{14961609-7000-7745-A74C-265C5AF81ABA}"/>
+                <a16:creationId xmlns:a16="http://schemas.microsoft.com/office/drawing/2014/main" xmlns="" id="{14961609-7000-7745-A74C-265C5AF81ABA}"/>
               </a:ext>
             </a:extLst>
           </p:cNvPr>
@@ -12796,7 +12796,7 @@
           <p:cNvPr id="289" name="Oval 288">
             <a:extLst>
               <a:ext uri="{FF2B5EF4-FFF2-40B4-BE49-F238E27FC236}">
-                <a16:creationId xmlns="" xmlns:a16="http://schemas.microsoft.com/office/drawing/2014/main" id="{2E40CCD1-5F47-A845-837F-37689517D7EB}"/>
+                <a16:creationId xmlns:a16="http://schemas.microsoft.com/office/drawing/2014/main" xmlns="" id="{2E40CCD1-5F47-A845-837F-37689517D7EB}"/>
               </a:ext>
             </a:extLst>
           </p:cNvPr>
@@ -12848,7 +12848,7 @@
           <p:cNvPr id="290" name="Oval 289">
             <a:extLst>
               <a:ext uri="{FF2B5EF4-FFF2-40B4-BE49-F238E27FC236}">
-                <a16:creationId xmlns="" xmlns:a16="http://schemas.microsoft.com/office/drawing/2014/main" id="{3A9B1F99-C5FD-6044-B0DB-261B522A0E9B}"/>
+                <a16:creationId xmlns:a16="http://schemas.microsoft.com/office/drawing/2014/main" xmlns="" id="{3A9B1F99-C5FD-6044-B0DB-261B522A0E9B}"/>
               </a:ext>
             </a:extLst>
           </p:cNvPr>
@@ -12900,7 +12900,7 @@
           <p:cNvPr id="31" name="Graphic 30">
             <a:extLst>
               <a:ext uri="{FF2B5EF4-FFF2-40B4-BE49-F238E27FC236}">
-                <a16:creationId xmlns="" xmlns:a16="http://schemas.microsoft.com/office/drawing/2014/main" id="{9A746998-0FD9-264C-98EA-3874BC735F44}"/>
+                <a16:creationId xmlns:a16="http://schemas.microsoft.com/office/drawing/2014/main" xmlns="" id="{9A746998-0FD9-264C-98EA-3874BC735F44}"/>
               </a:ext>
             </a:extLst>
           </p:cNvPr>
@@ -12913,7 +12913,7 @@
           <a:blip r:embed="rId10">
             <a:extLst>
               <a:ext uri="{96DAC541-7B7A-43D3-8B79-37D633B846F1}">
-                <asvg:svgBlip xmlns="" xmlns:asvg="http://schemas.microsoft.com/office/drawing/2016/SVG/main" r:embed="rId11"/>
+                <asvg:svgBlip xmlns:asvg="http://schemas.microsoft.com/office/drawing/2016/SVG/main" xmlns="" r:embed="rId11"/>
               </a:ext>
             </a:extLst>
           </a:blip>
@@ -12936,7 +12936,7 @@
           <p:cNvPr id="45" name="Graphic 44">
             <a:extLst>
               <a:ext uri="{FF2B5EF4-FFF2-40B4-BE49-F238E27FC236}">
-                <a16:creationId xmlns="" xmlns:a16="http://schemas.microsoft.com/office/drawing/2014/main" id="{B5C77CC1-1BC6-FC4C-9598-08D7CB09C818}"/>
+                <a16:creationId xmlns:a16="http://schemas.microsoft.com/office/drawing/2014/main" xmlns="" id="{B5C77CC1-1BC6-FC4C-9598-08D7CB09C818}"/>
               </a:ext>
             </a:extLst>
           </p:cNvPr>
@@ -12949,7 +12949,7 @@
           <a:blip r:embed="rId12">
             <a:extLst>
               <a:ext uri="{96DAC541-7B7A-43D3-8B79-37D633B846F1}">
-                <asvg:svgBlip xmlns="" xmlns:asvg="http://schemas.microsoft.com/office/drawing/2016/SVG/main" r:embed="rId13"/>
+                <asvg:svgBlip xmlns:asvg="http://schemas.microsoft.com/office/drawing/2016/SVG/main" xmlns="" r:embed="rId13"/>
               </a:ext>
             </a:extLst>
           </a:blip>
@@ -12972,7 +12972,7 @@
           <p:cNvPr id="46" name="Oval 45">
             <a:extLst>
               <a:ext uri="{FF2B5EF4-FFF2-40B4-BE49-F238E27FC236}">
-                <a16:creationId xmlns="" xmlns:a16="http://schemas.microsoft.com/office/drawing/2014/main" id="{245A9F1F-AE64-9F47-8895-8931A48FE8C5}"/>
+                <a16:creationId xmlns:a16="http://schemas.microsoft.com/office/drawing/2014/main" xmlns="" id="{245A9F1F-AE64-9F47-8895-8931A48FE8C5}"/>
               </a:ext>
             </a:extLst>
           </p:cNvPr>
@@ -13026,7 +13026,7 @@
           <p:cNvPr id="291" name="Oval 290">
             <a:extLst>
               <a:ext uri="{FF2B5EF4-FFF2-40B4-BE49-F238E27FC236}">
-                <a16:creationId xmlns="" xmlns:a16="http://schemas.microsoft.com/office/drawing/2014/main" id="{EB9DB007-D6E2-744D-BCFA-FBD301D1018A}"/>
+                <a16:creationId xmlns:a16="http://schemas.microsoft.com/office/drawing/2014/main" xmlns="" id="{EB9DB007-D6E2-744D-BCFA-FBD301D1018A}"/>
               </a:ext>
             </a:extLst>
           </p:cNvPr>
@@ -13080,7 +13080,7 @@
           <p:cNvPr id="292" name="Graphic 291">
             <a:extLst>
               <a:ext uri="{FF2B5EF4-FFF2-40B4-BE49-F238E27FC236}">
-                <a16:creationId xmlns="" xmlns:a16="http://schemas.microsoft.com/office/drawing/2014/main" id="{2F89F2E7-B26E-1842-AD03-B34A7685806F}"/>
+                <a16:creationId xmlns:a16="http://schemas.microsoft.com/office/drawing/2014/main" xmlns="" id="{2F89F2E7-B26E-1842-AD03-B34A7685806F}"/>
               </a:ext>
             </a:extLst>
           </p:cNvPr>
@@ -13094,7 +13094,7 @@
             <a:lum bright="-100000"/>
             <a:extLst>
               <a:ext uri="{96DAC541-7B7A-43D3-8B79-37D633B846F1}">
-                <asvg:svgBlip xmlns="" xmlns:asvg="http://schemas.microsoft.com/office/drawing/2016/SVG/main" r:embed="rId15"/>
+                <asvg:svgBlip xmlns:asvg="http://schemas.microsoft.com/office/drawing/2016/SVG/main" xmlns="" r:embed="rId15"/>
               </a:ext>
             </a:extLst>
           </a:blip>
@@ -13116,7 +13116,7 @@
           <p:cNvPr id="293" name="Graphic 292">
             <a:extLst>
               <a:ext uri="{FF2B5EF4-FFF2-40B4-BE49-F238E27FC236}">
-                <a16:creationId xmlns="" xmlns:a16="http://schemas.microsoft.com/office/drawing/2014/main" id="{07EAF042-1FBC-7749-B815-77E8458038E6}"/>
+                <a16:creationId xmlns:a16="http://schemas.microsoft.com/office/drawing/2014/main" xmlns="" id="{07EAF042-1FBC-7749-B815-77E8458038E6}"/>
               </a:ext>
             </a:extLst>
           </p:cNvPr>
@@ -13130,7 +13130,7 @@
             <a:lum bright="-100000"/>
             <a:extLst>
               <a:ext uri="{96DAC541-7B7A-43D3-8B79-37D633B846F1}">
-                <asvg:svgBlip xmlns="" xmlns:asvg="http://schemas.microsoft.com/office/drawing/2016/SVG/main" r:embed="rId15"/>
+                <asvg:svgBlip xmlns:asvg="http://schemas.microsoft.com/office/drawing/2016/SVG/main" xmlns="" r:embed="rId15"/>
               </a:ext>
             </a:extLst>
           </a:blip>
@@ -13152,7 +13152,7 @@
           <p:cNvPr id="294" name="Rectangle 293">
             <a:extLst>
               <a:ext uri="{FF2B5EF4-FFF2-40B4-BE49-F238E27FC236}">
-                <a16:creationId xmlns="" xmlns:a16="http://schemas.microsoft.com/office/drawing/2014/main" id="{614FBEBF-82B2-664B-A357-20CD384A1173}"/>
+                <a16:creationId xmlns:a16="http://schemas.microsoft.com/office/drawing/2014/main" xmlns="" id="{614FBEBF-82B2-664B-A357-20CD384A1173}"/>
               </a:ext>
             </a:extLst>
           </p:cNvPr>
@@ -13207,7 +13207,7 @@
           <p:cNvPr id="295" name="Rectangle 294">
             <a:extLst>
               <a:ext uri="{FF2B5EF4-FFF2-40B4-BE49-F238E27FC236}">
-                <a16:creationId xmlns="" xmlns:a16="http://schemas.microsoft.com/office/drawing/2014/main" id="{88F43554-37F8-4240-B307-C2AAFB4C82CE}"/>
+                <a16:creationId xmlns:a16="http://schemas.microsoft.com/office/drawing/2014/main" xmlns="" id="{88F43554-37F8-4240-B307-C2AAFB4C82CE}"/>
               </a:ext>
             </a:extLst>
           </p:cNvPr>
@@ -13259,7 +13259,7 @@
           <p:cNvPr id="4" name="Rectangle 3">
             <a:extLst>
               <a:ext uri="{FF2B5EF4-FFF2-40B4-BE49-F238E27FC236}">
-                <a16:creationId xmlns="" xmlns:a16="http://schemas.microsoft.com/office/drawing/2014/main" id="{CB435937-7BDB-1A43-8A19-C562FB0196EB}"/>
+                <a16:creationId xmlns:a16="http://schemas.microsoft.com/office/drawing/2014/main" xmlns="" id="{CB435937-7BDB-1A43-8A19-C562FB0196EB}"/>
               </a:ext>
             </a:extLst>
           </p:cNvPr>
@@ -13358,7 +13358,7 @@
           <p:cNvPr id="10" name="Graphic 9">
             <a:extLst>
               <a:ext uri="{FF2B5EF4-FFF2-40B4-BE49-F238E27FC236}">
-                <a16:creationId xmlns="" xmlns:a16="http://schemas.microsoft.com/office/drawing/2014/main" id="{B5848D92-F185-A745-B2C0-1C36DC6B754A}"/>
+                <a16:creationId xmlns:a16="http://schemas.microsoft.com/office/drawing/2014/main" xmlns="" id="{B5848D92-F185-A745-B2C0-1C36DC6B754A}"/>
               </a:ext>
             </a:extLst>
           </p:cNvPr>
@@ -13371,7 +13371,7 @@
           <a:blip r:embed="rId16">
             <a:extLst>
               <a:ext uri="{96DAC541-7B7A-43D3-8B79-37D633B846F1}">
-                <asvg:svgBlip xmlns="" xmlns:asvg="http://schemas.microsoft.com/office/drawing/2016/SVG/main" r:embed="rId17"/>
+                <asvg:svgBlip xmlns:asvg="http://schemas.microsoft.com/office/drawing/2016/SVG/main" xmlns="" r:embed="rId17"/>
               </a:ext>
             </a:extLst>
           </a:blip>
@@ -13393,7 +13393,7 @@
           <p:cNvPr id="296" name="Rectangle 295">
             <a:extLst>
               <a:ext uri="{FF2B5EF4-FFF2-40B4-BE49-F238E27FC236}">
-                <a16:creationId xmlns="" xmlns:a16="http://schemas.microsoft.com/office/drawing/2014/main" id="{472525F7-19B1-394E-A78E-286188CBB216}"/>
+                <a16:creationId xmlns:a16="http://schemas.microsoft.com/office/drawing/2014/main" xmlns="" id="{472525F7-19B1-394E-A78E-286188CBB216}"/>
               </a:ext>
             </a:extLst>
           </p:cNvPr>
@@ -13511,7 +13511,7 @@
           <p:cNvPr id="9" name="TextBox 8">
             <a:extLst>
               <a:ext uri="{FF2B5EF4-FFF2-40B4-BE49-F238E27FC236}">
-                <a16:creationId xmlns="" xmlns:a16="http://schemas.microsoft.com/office/drawing/2014/main" id="{7E097C7A-FBA8-4A40-9B8D-61F83804F20A}"/>
+                <a16:creationId xmlns:a16="http://schemas.microsoft.com/office/drawing/2014/main" xmlns="" id="{7E097C7A-FBA8-4A40-9B8D-61F83804F20A}"/>
               </a:ext>
             </a:extLst>
           </p:cNvPr>
@@ -13615,7 +13615,7 @@
           <p:cNvPr id="12" name="TextBox 11">
             <a:extLst>
               <a:ext uri="{FF2B5EF4-FFF2-40B4-BE49-F238E27FC236}">
-                <a16:creationId xmlns="" xmlns:a16="http://schemas.microsoft.com/office/drawing/2014/main" id="{2AE3EC19-8D83-D44F-B576-646866D438A3}"/>
+                <a16:creationId xmlns:a16="http://schemas.microsoft.com/office/drawing/2014/main" xmlns="" id="{2AE3EC19-8D83-D44F-B576-646866D438A3}"/>
               </a:ext>
             </a:extLst>
           </p:cNvPr>
@@ -14013,7 +14013,7 @@
   <a:extraClrSchemeLst/>
   <a:extLst>
     <a:ext uri="{05A4C25C-085E-4340-85A3-A5531E510DB2}">
-      <thm15:themeFamily xmlns="" xmlns:thm15="http://schemas.microsoft.com/office/thememl/2012/main" name="Office Theme" id="{62F939B6-93AF-4DB8-9C6B-D6C7DFDC589F}" vid="{4A3C46E8-61CC-4603-A589-7422A47A8E4A}"/>
+      <thm15:themeFamily xmlns:thm15="http://schemas.microsoft.com/office/thememl/2012/main" xmlns="" name="Office Theme" id="{62F939B6-93AF-4DB8-9C6B-D6C7DFDC589F}" vid="{4A3C46E8-61CC-4603-A589-7422A47A8E4A}"/>
     </a:ext>
   </a:extLst>
 </a:theme>
